--- a/img/16_9.pptx
+++ b/img/16_9.pptx
@@ -2,18 +2,19 @@
 <file path=ppt/presentation.xml><?xml version="1.0" encoding="utf-8"?>
 <p:presentation xmlns:a="http://schemas.openxmlformats.org/drawingml/2006/main" xmlns:r="http://schemas.openxmlformats.org/officeDocument/2006/relationships" xmlns:p="http://schemas.openxmlformats.org/presentationml/2006/main" saveSubsetFonts="1">
   <p:sldMasterIdLst>
-    <p:sldMasterId id="2147483648" r:id="rId1"/>
+    <p:sldMasterId id="2147483684" r:id="rId1"/>
   </p:sldMasterIdLst>
   <p:sldIdLst>
     <p:sldId id="256" r:id="rId2"/>
+    <p:sldId id="257" r:id="rId3"/>
   </p:sldIdLst>
-  <p:sldSz cx="12192000" cy="6858000"/>
+  <p:sldSz cx="10799763" cy="5759450"/>
   <p:notesSz cx="6858000" cy="9144000"/>
   <p:defaultTextStyle>
     <a:defPPr>
-      <a:defRPr lang="zh-CN"/>
+      <a:defRPr lang="en-US"/>
     </a:defPPr>
-    <a:lvl1pPr marL="0" algn="l" defTabSz="914400" rtl="0" eaLnBrk="1" latinLnBrk="0" hangingPunct="1">
+    <a:lvl1pPr marL="0" algn="l" defTabSz="457200" rtl="0" eaLnBrk="1" latinLnBrk="0" hangingPunct="1">
       <a:defRPr sz="1800" kern="1200">
         <a:solidFill>
           <a:schemeClr val="tx1"/>
@@ -23,7 +24,7 @@
         <a:cs typeface="+mn-cs"/>
       </a:defRPr>
     </a:lvl1pPr>
-    <a:lvl2pPr marL="457200" algn="l" defTabSz="914400" rtl="0" eaLnBrk="1" latinLnBrk="0" hangingPunct="1">
+    <a:lvl2pPr marL="457200" algn="l" defTabSz="457200" rtl="0" eaLnBrk="1" latinLnBrk="0" hangingPunct="1">
       <a:defRPr sz="1800" kern="1200">
         <a:solidFill>
           <a:schemeClr val="tx1"/>
@@ -33,7 +34,7 @@
         <a:cs typeface="+mn-cs"/>
       </a:defRPr>
     </a:lvl2pPr>
-    <a:lvl3pPr marL="914400" algn="l" defTabSz="914400" rtl="0" eaLnBrk="1" latinLnBrk="0" hangingPunct="1">
+    <a:lvl3pPr marL="914400" algn="l" defTabSz="457200" rtl="0" eaLnBrk="1" latinLnBrk="0" hangingPunct="1">
       <a:defRPr sz="1800" kern="1200">
         <a:solidFill>
           <a:schemeClr val="tx1"/>
@@ -43,7 +44,7 @@
         <a:cs typeface="+mn-cs"/>
       </a:defRPr>
     </a:lvl3pPr>
-    <a:lvl4pPr marL="1371600" algn="l" defTabSz="914400" rtl="0" eaLnBrk="1" latinLnBrk="0" hangingPunct="1">
+    <a:lvl4pPr marL="1371600" algn="l" defTabSz="457200" rtl="0" eaLnBrk="1" latinLnBrk="0" hangingPunct="1">
       <a:defRPr sz="1800" kern="1200">
         <a:solidFill>
           <a:schemeClr val="tx1"/>
@@ -53,7 +54,7 @@
         <a:cs typeface="+mn-cs"/>
       </a:defRPr>
     </a:lvl4pPr>
-    <a:lvl5pPr marL="1828800" algn="l" defTabSz="914400" rtl="0" eaLnBrk="1" latinLnBrk="0" hangingPunct="1">
+    <a:lvl5pPr marL="1828800" algn="l" defTabSz="457200" rtl="0" eaLnBrk="1" latinLnBrk="0" hangingPunct="1">
       <a:defRPr sz="1800" kern="1200">
         <a:solidFill>
           <a:schemeClr val="tx1"/>
@@ -63,7 +64,7 @@
         <a:cs typeface="+mn-cs"/>
       </a:defRPr>
     </a:lvl5pPr>
-    <a:lvl6pPr marL="2286000" algn="l" defTabSz="914400" rtl="0" eaLnBrk="1" latinLnBrk="0" hangingPunct="1">
+    <a:lvl6pPr marL="2286000" algn="l" defTabSz="457200" rtl="0" eaLnBrk="1" latinLnBrk="0" hangingPunct="1">
       <a:defRPr sz="1800" kern="1200">
         <a:solidFill>
           <a:schemeClr val="tx1"/>
@@ -73,7 +74,7 @@
         <a:cs typeface="+mn-cs"/>
       </a:defRPr>
     </a:lvl6pPr>
-    <a:lvl7pPr marL="2743200" algn="l" defTabSz="914400" rtl="0" eaLnBrk="1" latinLnBrk="0" hangingPunct="1">
+    <a:lvl7pPr marL="2743200" algn="l" defTabSz="457200" rtl="0" eaLnBrk="1" latinLnBrk="0" hangingPunct="1">
       <a:defRPr sz="1800" kern="1200">
         <a:solidFill>
           <a:schemeClr val="tx1"/>
@@ -83,7 +84,7 @@
         <a:cs typeface="+mn-cs"/>
       </a:defRPr>
     </a:lvl7pPr>
-    <a:lvl8pPr marL="3200400" algn="l" defTabSz="914400" rtl="0" eaLnBrk="1" latinLnBrk="0" hangingPunct="1">
+    <a:lvl8pPr marL="3200400" algn="l" defTabSz="457200" rtl="0" eaLnBrk="1" latinLnBrk="0" hangingPunct="1">
       <a:defRPr sz="1800" kern="1200">
         <a:solidFill>
           <a:schemeClr val="tx1"/>
@@ -93,7 +94,7 @@
         <a:cs typeface="+mn-cs"/>
       </a:defRPr>
     </a:lvl8pPr>
-    <a:lvl9pPr marL="3657600" algn="l" defTabSz="914400" rtl="0" eaLnBrk="1" latinLnBrk="0" hangingPunct="1">
+    <a:lvl9pPr marL="3657600" algn="l" defTabSz="457200" rtl="0" eaLnBrk="1" latinLnBrk="0" hangingPunct="1">
       <a:defRPr sz="1800" kern="1200">
         <a:solidFill>
           <a:schemeClr val="tx1"/>
@@ -104,6 +105,11 @@
       </a:defRPr>
     </a:lvl9pPr>
   </p:defaultTextStyle>
+  <p:extLst>
+    <p:ext uri="{EFAFB233-063F-42B5-8137-9DF3F51BA10A}">
+      <p15:sldGuideLst xmlns:p15="http://schemas.microsoft.com/office/powerpoint/2012/main"/>
+    </p:ext>
+  </p:extLst>
 </p:presentation>
 </file>
 
@@ -126,13 +132,7 @@
       </p:grpSpPr>
       <p:sp>
         <p:nvSpPr>
-          <p:cNvPr id="2" name="标题 1">
-            <a:extLst>
-              <a:ext uri="{FF2B5EF4-FFF2-40B4-BE49-F238E27FC236}">
-                <a16:creationId xmlns:a16="http://schemas.microsoft.com/office/drawing/2014/main" id="{38FDF7C8-0482-4855-AA90-D487B09F94CA}"/>
-              </a:ext>
-            </a:extLst>
-          </p:cNvPr>
+          <p:cNvPr id="2" name="Title 1"/>
           <p:cNvSpPr>
             <a:spLocks noGrp="1"/>
           </p:cNvSpPr>
@@ -142,15 +142,15 @@
         </p:nvSpPr>
         <p:spPr>
           <a:xfrm>
-            <a:off x="1524000" y="1122363"/>
-            <a:ext cx="9144000" cy="2387600"/>
+            <a:off x="1349971" y="942577"/>
+            <a:ext cx="8099822" cy="2005142"/>
           </a:xfrm>
         </p:spPr>
         <p:txBody>
           <a:bodyPr anchor="b"/>
           <a:lstStyle>
             <a:lvl1pPr algn="ctr">
-              <a:defRPr sz="6000"/>
+              <a:defRPr sz="5039"/>
             </a:lvl1pPr>
           </a:lstStyle>
           <a:p>
@@ -158,18 +158,13 @@
               <a:rPr lang="zh-CN" altLang="en-US"/>
               <a:t>单击此处编辑母版标题样式</a:t>
             </a:r>
-          </a:p>
-        </p:txBody>
-      </p:sp>
-      <p:sp>
-        <p:nvSpPr>
-          <p:cNvPr id="3" name="副标题 2">
-            <a:extLst>
-              <a:ext uri="{FF2B5EF4-FFF2-40B4-BE49-F238E27FC236}">
-                <a16:creationId xmlns:a16="http://schemas.microsoft.com/office/drawing/2014/main" id="{26095CF8-D824-4804-A6B8-9A2B3A761893}"/>
-              </a:ext>
-            </a:extLst>
-          </p:cNvPr>
+            <a:endParaRPr lang="en-US" dirty="0"/>
+          </a:p>
+        </p:txBody>
+      </p:sp>
+      <p:sp>
+        <p:nvSpPr>
+          <p:cNvPr id="3" name="Subtitle 2"/>
           <p:cNvSpPr>
             <a:spLocks noGrp="1"/>
           </p:cNvSpPr>
@@ -179,8 +174,8 @@
         </p:nvSpPr>
         <p:spPr>
           <a:xfrm>
-            <a:off x="1524000" y="3602038"/>
-            <a:ext cx="9144000" cy="1655762"/>
+            <a:off x="1349971" y="3025045"/>
+            <a:ext cx="8099822" cy="1390533"/>
           </a:xfrm>
         </p:spPr>
         <p:txBody>
@@ -188,39 +183,39 @@
           <a:lstStyle>
             <a:lvl1pPr marL="0" indent="0" algn="ctr">
               <a:buNone/>
-              <a:defRPr sz="2400"/>
+              <a:defRPr sz="2016"/>
             </a:lvl1pPr>
-            <a:lvl2pPr marL="457200" indent="0" algn="ctr">
-              <a:buNone/>
-              <a:defRPr sz="2000"/>
+            <a:lvl2pPr marL="383957" indent="0" algn="ctr">
+              <a:buNone/>
+              <a:defRPr sz="1680"/>
             </a:lvl2pPr>
-            <a:lvl3pPr marL="914400" indent="0" algn="ctr">
-              <a:buNone/>
-              <a:defRPr sz="1800"/>
+            <a:lvl3pPr marL="767913" indent="0" algn="ctr">
+              <a:buNone/>
+              <a:defRPr sz="1512"/>
             </a:lvl3pPr>
-            <a:lvl4pPr marL="1371600" indent="0" algn="ctr">
-              <a:buNone/>
-              <a:defRPr sz="1600"/>
+            <a:lvl4pPr marL="1151870" indent="0" algn="ctr">
+              <a:buNone/>
+              <a:defRPr sz="1344"/>
             </a:lvl4pPr>
-            <a:lvl5pPr marL="1828800" indent="0" algn="ctr">
-              <a:buNone/>
-              <a:defRPr sz="1600"/>
+            <a:lvl5pPr marL="1535826" indent="0" algn="ctr">
+              <a:buNone/>
+              <a:defRPr sz="1344"/>
             </a:lvl5pPr>
-            <a:lvl6pPr marL="2286000" indent="0" algn="ctr">
-              <a:buNone/>
-              <a:defRPr sz="1600"/>
+            <a:lvl6pPr marL="1919783" indent="0" algn="ctr">
+              <a:buNone/>
+              <a:defRPr sz="1344"/>
             </a:lvl6pPr>
-            <a:lvl7pPr marL="2743200" indent="0" algn="ctr">
-              <a:buNone/>
-              <a:defRPr sz="1600"/>
+            <a:lvl7pPr marL="2303739" indent="0" algn="ctr">
+              <a:buNone/>
+              <a:defRPr sz="1344"/>
             </a:lvl7pPr>
-            <a:lvl8pPr marL="3200400" indent="0" algn="ctr">
-              <a:buNone/>
-              <a:defRPr sz="1600"/>
+            <a:lvl8pPr marL="2687696" indent="0" algn="ctr">
+              <a:buNone/>
+              <a:defRPr sz="1344"/>
             </a:lvl8pPr>
-            <a:lvl9pPr marL="3657600" indent="0" algn="ctr">
-              <a:buNone/>
-              <a:defRPr sz="1600"/>
+            <a:lvl9pPr marL="3071652" indent="0" algn="ctr">
+              <a:buNone/>
+              <a:defRPr sz="1344"/>
             </a:lvl9pPr>
           </a:lstStyle>
           <a:p>
@@ -228,18 +223,13 @@
               <a:rPr lang="zh-CN" altLang="en-US"/>
               <a:t>单击此处编辑母版副标题样式</a:t>
             </a:r>
-          </a:p>
-        </p:txBody>
-      </p:sp>
-      <p:sp>
-        <p:nvSpPr>
-          <p:cNvPr id="4" name="日期占位符 3">
-            <a:extLst>
-              <a:ext uri="{FF2B5EF4-FFF2-40B4-BE49-F238E27FC236}">
-                <a16:creationId xmlns:a16="http://schemas.microsoft.com/office/drawing/2014/main" id="{01B72AE9-CF80-4E10-89DA-76CD8BCDF318}"/>
-              </a:ext>
-            </a:extLst>
-          </p:cNvPr>
+            <a:endParaRPr lang="en-US" dirty="0"/>
+          </a:p>
+        </p:txBody>
+      </p:sp>
+      <p:sp>
+        <p:nvSpPr>
+          <p:cNvPr id="4" name="Date Placeholder 3"/>
           <p:cNvSpPr>
             <a:spLocks noGrp="1"/>
           </p:cNvSpPr>
@@ -254,7 +244,7 @@
           <a:p>
             <a:fld id="{27C3EAE8-228B-4062-A371-1299B1E3ADF5}" type="datetimeFigureOut">
               <a:rPr lang="zh-CN" altLang="en-US" smtClean="0"/>
-              <a:t>2022/11/27</a:t>
+              <a:t>2022/11/28</a:t>
             </a:fld>
             <a:endParaRPr lang="zh-CN" altLang="en-US"/>
           </a:p>
@@ -262,13 +252,7 @@
       </p:sp>
       <p:sp>
         <p:nvSpPr>
-          <p:cNvPr id="5" name="页脚占位符 4">
-            <a:extLst>
-              <a:ext uri="{FF2B5EF4-FFF2-40B4-BE49-F238E27FC236}">
-                <a16:creationId xmlns:a16="http://schemas.microsoft.com/office/drawing/2014/main" id="{DA1E5622-15D5-46C1-A21C-13B61F383502}"/>
-              </a:ext>
-            </a:extLst>
-          </p:cNvPr>
+          <p:cNvPr id="5" name="Footer Placeholder 4"/>
           <p:cNvSpPr>
             <a:spLocks noGrp="1"/>
           </p:cNvSpPr>
@@ -287,13 +271,7 @@
       </p:sp>
       <p:sp>
         <p:nvSpPr>
-          <p:cNvPr id="6" name="灯片编号占位符 5">
-            <a:extLst>
-              <a:ext uri="{FF2B5EF4-FFF2-40B4-BE49-F238E27FC236}">
-                <a16:creationId xmlns:a16="http://schemas.microsoft.com/office/drawing/2014/main" id="{DF6D3FB0-72A5-4DB8-B87C-147B98643E43}"/>
-              </a:ext>
-            </a:extLst>
-          </p:cNvPr>
+          <p:cNvPr id="6" name="Slide Number Placeholder 5"/>
           <p:cNvSpPr>
             <a:spLocks noGrp="1"/>
           </p:cNvSpPr>
@@ -317,7 +295,7 @@
     </p:spTree>
     <p:extLst>
       <p:ext uri="{BB962C8B-B14F-4D97-AF65-F5344CB8AC3E}">
-        <p14:creationId xmlns:p14="http://schemas.microsoft.com/office/powerpoint/2010/main" val="3417392677"/>
+        <p14:creationId xmlns:p14="http://schemas.microsoft.com/office/powerpoint/2010/main" val="2475314741"/>
       </p:ext>
     </p:extLst>
   </p:cSld>
@@ -346,13 +324,7 @@
       </p:grpSpPr>
       <p:sp>
         <p:nvSpPr>
-          <p:cNvPr id="2" name="标题 1">
-            <a:extLst>
-              <a:ext uri="{FF2B5EF4-FFF2-40B4-BE49-F238E27FC236}">
-                <a16:creationId xmlns:a16="http://schemas.microsoft.com/office/drawing/2014/main" id="{0DB34C44-6232-42E0-8468-3D083724C41E}"/>
-              </a:ext>
-            </a:extLst>
-          </p:cNvPr>
+          <p:cNvPr id="2" name="Title 1"/>
           <p:cNvSpPr>
             <a:spLocks noGrp="1"/>
           </p:cNvSpPr>
@@ -369,18 +341,13 @@
               <a:rPr lang="zh-CN" altLang="en-US"/>
               <a:t>单击此处编辑母版标题样式</a:t>
             </a:r>
-          </a:p>
-        </p:txBody>
-      </p:sp>
-      <p:sp>
-        <p:nvSpPr>
-          <p:cNvPr id="3" name="竖排文字占位符 2">
-            <a:extLst>
-              <a:ext uri="{FF2B5EF4-FFF2-40B4-BE49-F238E27FC236}">
-                <a16:creationId xmlns:a16="http://schemas.microsoft.com/office/drawing/2014/main" id="{74BF006D-D80F-46C8-91F4-2DF0F3B7170F}"/>
-              </a:ext>
-            </a:extLst>
-          </p:cNvPr>
+            <a:endParaRPr lang="en-US" dirty="0"/>
+          </a:p>
+        </p:txBody>
+      </p:sp>
+      <p:sp>
+        <p:nvSpPr>
+          <p:cNvPr id="3" name="Vertical Text Placeholder 2"/>
           <p:cNvSpPr>
             <a:spLocks noGrp="1"/>
           </p:cNvSpPr>
@@ -426,18 +393,13 @@
               <a:rPr lang="zh-CN" altLang="en-US"/>
               <a:t>五级</a:t>
             </a:r>
-          </a:p>
-        </p:txBody>
-      </p:sp>
-      <p:sp>
-        <p:nvSpPr>
-          <p:cNvPr id="4" name="日期占位符 3">
-            <a:extLst>
-              <a:ext uri="{FF2B5EF4-FFF2-40B4-BE49-F238E27FC236}">
-                <a16:creationId xmlns:a16="http://schemas.microsoft.com/office/drawing/2014/main" id="{710FDFC3-90B4-4F23-B8B8-8F2C3AECE11A}"/>
-              </a:ext>
-            </a:extLst>
-          </p:cNvPr>
+            <a:endParaRPr lang="en-US" dirty="0"/>
+          </a:p>
+        </p:txBody>
+      </p:sp>
+      <p:sp>
+        <p:nvSpPr>
+          <p:cNvPr id="4" name="Date Placeholder 3"/>
           <p:cNvSpPr>
             <a:spLocks noGrp="1"/>
           </p:cNvSpPr>
@@ -452,7 +414,7 @@
           <a:p>
             <a:fld id="{27C3EAE8-228B-4062-A371-1299B1E3ADF5}" type="datetimeFigureOut">
               <a:rPr lang="zh-CN" altLang="en-US" smtClean="0"/>
-              <a:t>2022/11/27</a:t>
+              <a:t>2022/11/28</a:t>
             </a:fld>
             <a:endParaRPr lang="zh-CN" altLang="en-US"/>
           </a:p>
@@ -460,13 +422,7 @@
       </p:sp>
       <p:sp>
         <p:nvSpPr>
-          <p:cNvPr id="5" name="页脚占位符 4">
-            <a:extLst>
-              <a:ext uri="{FF2B5EF4-FFF2-40B4-BE49-F238E27FC236}">
-                <a16:creationId xmlns:a16="http://schemas.microsoft.com/office/drawing/2014/main" id="{8047C758-0494-4D0C-A68D-7B36937B222B}"/>
-              </a:ext>
-            </a:extLst>
-          </p:cNvPr>
+          <p:cNvPr id="5" name="Footer Placeholder 4"/>
           <p:cNvSpPr>
             <a:spLocks noGrp="1"/>
           </p:cNvSpPr>
@@ -485,13 +441,7 @@
       </p:sp>
       <p:sp>
         <p:nvSpPr>
-          <p:cNvPr id="6" name="灯片编号占位符 5">
-            <a:extLst>
-              <a:ext uri="{FF2B5EF4-FFF2-40B4-BE49-F238E27FC236}">
-                <a16:creationId xmlns:a16="http://schemas.microsoft.com/office/drawing/2014/main" id="{A18E21FF-20F1-45B3-B1AE-58504846DBF4}"/>
-              </a:ext>
-            </a:extLst>
-          </p:cNvPr>
+          <p:cNvPr id="6" name="Slide Number Placeholder 5"/>
           <p:cNvSpPr>
             <a:spLocks noGrp="1"/>
           </p:cNvSpPr>
@@ -515,7 +465,7 @@
     </p:spTree>
     <p:extLst>
       <p:ext uri="{BB962C8B-B14F-4D97-AF65-F5344CB8AC3E}">
-        <p14:creationId xmlns:p14="http://schemas.microsoft.com/office/powerpoint/2010/main" val="1206991484"/>
+        <p14:creationId xmlns:p14="http://schemas.microsoft.com/office/powerpoint/2010/main" val="2376182510"/>
       </p:ext>
     </p:extLst>
   </p:cSld>
@@ -544,13 +494,7 @@
       </p:grpSpPr>
       <p:sp>
         <p:nvSpPr>
-          <p:cNvPr id="2" name="竖排标题 1">
-            <a:extLst>
-              <a:ext uri="{FF2B5EF4-FFF2-40B4-BE49-F238E27FC236}">
-                <a16:creationId xmlns:a16="http://schemas.microsoft.com/office/drawing/2014/main" id="{F08696AC-042D-49C6-8251-29EF9650CB8F}"/>
-              </a:ext>
-            </a:extLst>
-          </p:cNvPr>
+          <p:cNvPr id="2" name="Vertical Title 1"/>
           <p:cNvSpPr>
             <a:spLocks noGrp="1"/>
           </p:cNvSpPr>
@@ -560,8 +504,8 @@
         </p:nvSpPr>
         <p:spPr>
           <a:xfrm>
-            <a:off x="8724900" y="365125"/>
-            <a:ext cx="2628900" cy="5811838"/>
+            <a:off x="7728580" y="306637"/>
+            <a:ext cx="2328699" cy="4880868"/>
           </a:xfrm>
         </p:spPr>
         <p:txBody>
@@ -572,18 +516,13 @@
               <a:rPr lang="zh-CN" altLang="en-US"/>
               <a:t>单击此处编辑母版标题样式</a:t>
             </a:r>
-          </a:p>
-        </p:txBody>
-      </p:sp>
-      <p:sp>
-        <p:nvSpPr>
-          <p:cNvPr id="3" name="竖排文字占位符 2">
-            <a:extLst>
-              <a:ext uri="{FF2B5EF4-FFF2-40B4-BE49-F238E27FC236}">
-                <a16:creationId xmlns:a16="http://schemas.microsoft.com/office/drawing/2014/main" id="{B23F2AB5-05EA-4C94-95B9-16DBDAA184CC}"/>
-              </a:ext>
-            </a:extLst>
-          </p:cNvPr>
+            <a:endParaRPr lang="en-US" dirty="0"/>
+          </a:p>
+        </p:txBody>
+      </p:sp>
+      <p:sp>
+        <p:nvSpPr>
+          <p:cNvPr id="3" name="Vertical Text Placeholder 2"/>
           <p:cNvSpPr>
             <a:spLocks noGrp="1"/>
           </p:cNvSpPr>
@@ -593,8 +532,8 @@
         </p:nvSpPr>
         <p:spPr>
           <a:xfrm>
-            <a:off x="838200" y="365125"/>
-            <a:ext cx="7734300" cy="5811838"/>
+            <a:off x="742484" y="306637"/>
+            <a:ext cx="6851100" cy="4880868"/>
           </a:xfrm>
         </p:spPr>
         <p:txBody>
@@ -634,18 +573,13 @@
               <a:rPr lang="zh-CN" altLang="en-US"/>
               <a:t>五级</a:t>
             </a:r>
-          </a:p>
-        </p:txBody>
-      </p:sp>
-      <p:sp>
-        <p:nvSpPr>
-          <p:cNvPr id="4" name="日期占位符 3">
-            <a:extLst>
-              <a:ext uri="{FF2B5EF4-FFF2-40B4-BE49-F238E27FC236}">
-                <a16:creationId xmlns:a16="http://schemas.microsoft.com/office/drawing/2014/main" id="{20C98FA1-FCED-420B-8E70-7D720F3EA4AC}"/>
-              </a:ext>
-            </a:extLst>
-          </p:cNvPr>
+            <a:endParaRPr lang="en-US" dirty="0"/>
+          </a:p>
+        </p:txBody>
+      </p:sp>
+      <p:sp>
+        <p:nvSpPr>
+          <p:cNvPr id="4" name="Date Placeholder 3"/>
           <p:cNvSpPr>
             <a:spLocks noGrp="1"/>
           </p:cNvSpPr>
@@ -660,7 +594,7 @@
           <a:p>
             <a:fld id="{27C3EAE8-228B-4062-A371-1299B1E3ADF5}" type="datetimeFigureOut">
               <a:rPr lang="zh-CN" altLang="en-US" smtClean="0"/>
-              <a:t>2022/11/27</a:t>
+              <a:t>2022/11/28</a:t>
             </a:fld>
             <a:endParaRPr lang="zh-CN" altLang="en-US"/>
           </a:p>
@@ -668,13 +602,7 @@
       </p:sp>
       <p:sp>
         <p:nvSpPr>
-          <p:cNvPr id="5" name="页脚占位符 4">
-            <a:extLst>
-              <a:ext uri="{FF2B5EF4-FFF2-40B4-BE49-F238E27FC236}">
-                <a16:creationId xmlns:a16="http://schemas.microsoft.com/office/drawing/2014/main" id="{870AB0B0-59ED-4E15-BCB2-4C6C05ECDC60}"/>
-              </a:ext>
-            </a:extLst>
-          </p:cNvPr>
+          <p:cNvPr id="5" name="Footer Placeholder 4"/>
           <p:cNvSpPr>
             <a:spLocks noGrp="1"/>
           </p:cNvSpPr>
@@ -693,13 +621,7 @@
       </p:sp>
       <p:sp>
         <p:nvSpPr>
-          <p:cNvPr id="6" name="灯片编号占位符 5">
-            <a:extLst>
-              <a:ext uri="{FF2B5EF4-FFF2-40B4-BE49-F238E27FC236}">
-                <a16:creationId xmlns:a16="http://schemas.microsoft.com/office/drawing/2014/main" id="{BB2BB1BD-07EF-47F4-8063-73FAE4F688FD}"/>
-              </a:ext>
-            </a:extLst>
-          </p:cNvPr>
+          <p:cNvPr id="6" name="Slide Number Placeholder 5"/>
           <p:cNvSpPr>
             <a:spLocks noGrp="1"/>
           </p:cNvSpPr>
@@ -723,7 +645,7 @@
     </p:spTree>
     <p:extLst>
       <p:ext uri="{BB962C8B-B14F-4D97-AF65-F5344CB8AC3E}">
-        <p14:creationId xmlns:p14="http://schemas.microsoft.com/office/powerpoint/2010/main" val="3356498196"/>
+        <p14:creationId xmlns:p14="http://schemas.microsoft.com/office/powerpoint/2010/main" val="1842832440"/>
       </p:ext>
     </p:extLst>
   </p:cSld>
@@ -752,13 +674,7 @@
       </p:grpSpPr>
       <p:sp>
         <p:nvSpPr>
-          <p:cNvPr id="2" name="标题 1">
-            <a:extLst>
-              <a:ext uri="{FF2B5EF4-FFF2-40B4-BE49-F238E27FC236}">
-                <a16:creationId xmlns:a16="http://schemas.microsoft.com/office/drawing/2014/main" id="{A01889DA-D349-4FFD-B285-CE17F1D58B5E}"/>
-              </a:ext>
-            </a:extLst>
-          </p:cNvPr>
+          <p:cNvPr id="2" name="Title 1"/>
           <p:cNvSpPr>
             <a:spLocks noGrp="1"/>
           </p:cNvSpPr>
@@ -775,18 +691,13 @@
               <a:rPr lang="zh-CN" altLang="en-US"/>
               <a:t>单击此处编辑母版标题样式</a:t>
             </a:r>
-          </a:p>
-        </p:txBody>
-      </p:sp>
-      <p:sp>
-        <p:nvSpPr>
-          <p:cNvPr id="3" name="内容占位符 2">
-            <a:extLst>
-              <a:ext uri="{FF2B5EF4-FFF2-40B4-BE49-F238E27FC236}">
-                <a16:creationId xmlns:a16="http://schemas.microsoft.com/office/drawing/2014/main" id="{48318746-2063-4BFA-AD33-E8B843C37D84}"/>
-              </a:ext>
-            </a:extLst>
-          </p:cNvPr>
+            <a:endParaRPr lang="en-US" dirty="0"/>
+          </a:p>
+        </p:txBody>
+      </p:sp>
+      <p:sp>
+        <p:nvSpPr>
+          <p:cNvPr id="3" name="Content Placeholder 2"/>
           <p:cNvSpPr>
             <a:spLocks noGrp="1"/>
           </p:cNvSpPr>
@@ -832,18 +743,13 @@
               <a:rPr lang="zh-CN" altLang="en-US"/>
               <a:t>五级</a:t>
             </a:r>
-          </a:p>
-        </p:txBody>
-      </p:sp>
-      <p:sp>
-        <p:nvSpPr>
-          <p:cNvPr id="4" name="日期占位符 3">
-            <a:extLst>
-              <a:ext uri="{FF2B5EF4-FFF2-40B4-BE49-F238E27FC236}">
-                <a16:creationId xmlns:a16="http://schemas.microsoft.com/office/drawing/2014/main" id="{96955541-F1A5-484C-ADCB-2CD3ED6D122B}"/>
-              </a:ext>
-            </a:extLst>
-          </p:cNvPr>
+            <a:endParaRPr lang="en-US" dirty="0"/>
+          </a:p>
+        </p:txBody>
+      </p:sp>
+      <p:sp>
+        <p:nvSpPr>
+          <p:cNvPr id="4" name="Date Placeholder 3"/>
           <p:cNvSpPr>
             <a:spLocks noGrp="1"/>
           </p:cNvSpPr>
@@ -858,7 +764,7 @@
           <a:p>
             <a:fld id="{27C3EAE8-228B-4062-A371-1299B1E3ADF5}" type="datetimeFigureOut">
               <a:rPr lang="zh-CN" altLang="en-US" smtClean="0"/>
-              <a:t>2022/11/27</a:t>
+              <a:t>2022/11/28</a:t>
             </a:fld>
             <a:endParaRPr lang="zh-CN" altLang="en-US"/>
           </a:p>
@@ -866,13 +772,7 @@
       </p:sp>
       <p:sp>
         <p:nvSpPr>
-          <p:cNvPr id="5" name="页脚占位符 4">
-            <a:extLst>
-              <a:ext uri="{FF2B5EF4-FFF2-40B4-BE49-F238E27FC236}">
-                <a16:creationId xmlns:a16="http://schemas.microsoft.com/office/drawing/2014/main" id="{A50548D1-00CD-4B28-9DDE-B8EEAAD1F430}"/>
-              </a:ext>
-            </a:extLst>
-          </p:cNvPr>
+          <p:cNvPr id="5" name="Footer Placeholder 4"/>
           <p:cNvSpPr>
             <a:spLocks noGrp="1"/>
           </p:cNvSpPr>
@@ -891,13 +791,7 @@
       </p:sp>
       <p:sp>
         <p:nvSpPr>
-          <p:cNvPr id="6" name="灯片编号占位符 5">
-            <a:extLst>
-              <a:ext uri="{FF2B5EF4-FFF2-40B4-BE49-F238E27FC236}">
-                <a16:creationId xmlns:a16="http://schemas.microsoft.com/office/drawing/2014/main" id="{0E099361-624D-4326-9229-1960BCF1FA14}"/>
-              </a:ext>
-            </a:extLst>
-          </p:cNvPr>
+          <p:cNvPr id="6" name="Slide Number Placeholder 5"/>
           <p:cNvSpPr>
             <a:spLocks noGrp="1"/>
           </p:cNvSpPr>
@@ -921,7 +815,7 @@
     </p:spTree>
     <p:extLst>
       <p:ext uri="{BB962C8B-B14F-4D97-AF65-F5344CB8AC3E}">
-        <p14:creationId xmlns:p14="http://schemas.microsoft.com/office/powerpoint/2010/main" val="1622459233"/>
+        <p14:creationId xmlns:p14="http://schemas.microsoft.com/office/powerpoint/2010/main" val="2743840159"/>
       </p:ext>
     </p:extLst>
   </p:cSld>
@@ -950,13 +844,7 @@
       </p:grpSpPr>
       <p:sp>
         <p:nvSpPr>
-          <p:cNvPr id="2" name="标题 1">
-            <a:extLst>
-              <a:ext uri="{FF2B5EF4-FFF2-40B4-BE49-F238E27FC236}">
-                <a16:creationId xmlns:a16="http://schemas.microsoft.com/office/drawing/2014/main" id="{EF4DDA42-791F-440B-8ABF-FE95CE768C81}"/>
-              </a:ext>
-            </a:extLst>
-          </p:cNvPr>
+          <p:cNvPr id="2" name="Title 1"/>
           <p:cNvSpPr>
             <a:spLocks noGrp="1"/>
           </p:cNvSpPr>
@@ -966,15 +854,15 @@
         </p:nvSpPr>
         <p:spPr>
           <a:xfrm>
-            <a:off x="831850" y="1709738"/>
-            <a:ext cx="10515600" cy="2852737"/>
+            <a:off x="736859" y="1435864"/>
+            <a:ext cx="9314796" cy="2395771"/>
           </a:xfrm>
         </p:spPr>
         <p:txBody>
           <a:bodyPr anchor="b"/>
           <a:lstStyle>
             <a:lvl1pPr>
-              <a:defRPr sz="6000"/>
+              <a:defRPr sz="5039"/>
             </a:lvl1pPr>
           </a:lstStyle>
           <a:p>
@@ -982,18 +870,13 @@
               <a:rPr lang="zh-CN" altLang="en-US"/>
               <a:t>单击此处编辑母版标题样式</a:t>
             </a:r>
-          </a:p>
-        </p:txBody>
-      </p:sp>
-      <p:sp>
-        <p:nvSpPr>
-          <p:cNvPr id="3" name="文本占位符 2">
-            <a:extLst>
-              <a:ext uri="{FF2B5EF4-FFF2-40B4-BE49-F238E27FC236}">
-                <a16:creationId xmlns:a16="http://schemas.microsoft.com/office/drawing/2014/main" id="{AAFBB3C2-9D6C-4C85-BE44-25E5AF18A29D}"/>
-              </a:ext>
-            </a:extLst>
-          </p:cNvPr>
+            <a:endParaRPr lang="en-US" dirty="0"/>
+          </a:p>
+        </p:txBody>
+      </p:sp>
+      <p:sp>
+        <p:nvSpPr>
+          <p:cNvPr id="3" name="Text Placeholder 2"/>
           <p:cNvSpPr>
             <a:spLocks noGrp="1"/>
           </p:cNvSpPr>
@@ -1003,8 +886,8 @@
         </p:nvSpPr>
         <p:spPr>
           <a:xfrm>
-            <a:off x="831850" y="4589463"/>
-            <a:ext cx="10515600" cy="1500187"/>
+            <a:off x="736859" y="3854300"/>
+            <a:ext cx="9314796" cy="1259879"/>
           </a:xfrm>
         </p:spPr>
         <p:txBody>
@@ -1012,7 +895,7 @@
           <a:lstStyle>
             <a:lvl1pPr marL="0" indent="0">
               <a:buNone/>
-              <a:defRPr sz="2400">
+              <a:defRPr sz="2016">
                 <a:solidFill>
                   <a:schemeClr val="tx1">
                     <a:tint val="75000"/>
@@ -1020,9 +903,9 @@
                 </a:solidFill>
               </a:defRPr>
             </a:lvl1pPr>
-            <a:lvl2pPr marL="457200" indent="0">
-              <a:buNone/>
-              <a:defRPr sz="2000">
+            <a:lvl2pPr marL="383957" indent="0">
+              <a:buNone/>
+              <a:defRPr sz="1680">
                 <a:solidFill>
                   <a:schemeClr val="tx1">
                     <a:tint val="75000"/>
@@ -1030,9 +913,9 @@
                 </a:solidFill>
               </a:defRPr>
             </a:lvl2pPr>
-            <a:lvl3pPr marL="914400" indent="0">
-              <a:buNone/>
-              <a:defRPr sz="1800">
+            <a:lvl3pPr marL="767913" indent="0">
+              <a:buNone/>
+              <a:defRPr sz="1512">
                 <a:solidFill>
                   <a:schemeClr val="tx1">
                     <a:tint val="75000"/>
@@ -1040,9 +923,9 @@
                 </a:solidFill>
               </a:defRPr>
             </a:lvl3pPr>
-            <a:lvl4pPr marL="1371600" indent="0">
-              <a:buNone/>
-              <a:defRPr sz="1600">
+            <a:lvl4pPr marL="1151870" indent="0">
+              <a:buNone/>
+              <a:defRPr sz="1344">
                 <a:solidFill>
                   <a:schemeClr val="tx1">
                     <a:tint val="75000"/>
@@ -1050,9 +933,9 @@
                 </a:solidFill>
               </a:defRPr>
             </a:lvl4pPr>
-            <a:lvl5pPr marL="1828800" indent="0">
-              <a:buNone/>
-              <a:defRPr sz="1600">
+            <a:lvl5pPr marL="1535826" indent="0">
+              <a:buNone/>
+              <a:defRPr sz="1344">
                 <a:solidFill>
                   <a:schemeClr val="tx1">
                     <a:tint val="75000"/>
@@ -1060,9 +943,9 @@
                 </a:solidFill>
               </a:defRPr>
             </a:lvl5pPr>
-            <a:lvl6pPr marL="2286000" indent="0">
-              <a:buNone/>
-              <a:defRPr sz="1600">
+            <a:lvl6pPr marL="1919783" indent="0">
+              <a:buNone/>
+              <a:defRPr sz="1344">
                 <a:solidFill>
                   <a:schemeClr val="tx1">
                     <a:tint val="75000"/>
@@ -1070,9 +953,9 @@
                 </a:solidFill>
               </a:defRPr>
             </a:lvl6pPr>
-            <a:lvl7pPr marL="2743200" indent="0">
-              <a:buNone/>
-              <a:defRPr sz="1600">
+            <a:lvl7pPr marL="2303739" indent="0">
+              <a:buNone/>
+              <a:defRPr sz="1344">
                 <a:solidFill>
                   <a:schemeClr val="tx1">
                     <a:tint val="75000"/>
@@ -1080,9 +963,9 @@
                 </a:solidFill>
               </a:defRPr>
             </a:lvl7pPr>
-            <a:lvl8pPr marL="3200400" indent="0">
-              <a:buNone/>
-              <a:defRPr sz="1600">
+            <a:lvl8pPr marL="2687696" indent="0">
+              <a:buNone/>
+              <a:defRPr sz="1344">
                 <a:solidFill>
                   <a:schemeClr val="tx1">
                     <a:tint val="75000"/>
@@ -1090,9 +973,9 @@
                 </a:solidFill>
               </a:defRPr>
             </a:lvl8pPr>
-            <a:lvl9pPr marL="3657600" indent="0">
-              <a:buNone/>
-              <a:defRPr sz="1600">
+            <a:lvl9pPr marL="3071652" indent="0">
+              <a:buNone/>
+              <a:defRPr sz="1344">
                 <a:solidFill>
                   <a:schemeClr val="tx1">
                     <a:tint val="75000"/>
@@ -1112,13 +995,7 @@
       </p:sp>
       <p:sp>
         <p:nvSpPr>
-          <p:cNvPr id="4" name="日期占位符 3">
-            <a:extLst>
-              <a:ext uri="{FF2B5EF4-FFF2-40B4-BE49-F238E27FC236}">
-                <a16:creationId xmlns:a16="http://schemas.microsoft.com/office/drawing/2014/main" id="{B1839248-68E1-4A78-8A24-8090C7D80E93}"/>
-              </a:ext>
-            </a:extLst>
-          </p:cNvPr>
+          <p:cNvPr id="4" name="Date Placeholder 3"/>
           <p:cNvSpPr>
             <a:spLocks noGrp="1"/>
           </p:cNvSpPr>
@@ -1133,7 +1010,7 @@
           <a:p>
             <a:fld id="{27C3EAE8-228B-4062-A371-1299B1E3ADF5}" type="datetimeFigureOut">
               <a:rPr lang="zh-CN" altLang="en-US" smtClean="0"/>
-              <a:t>2022/11/27</a:t>
+              <a:t>2022/11/28</a:t>
             </a:fld>
             <a:endParaRPr lang="zh-CN" altLang="en-US"/>
           </a:p>
@@ -1141,13 +1018,7 @@
       </p:sp>
       <p:sp>
         <p:nvSpPr>
-          <p:cNvPr id="5" name="页脚占位符 4">
-            <a:extLst>
-              <a:ext uri="{FF2B5EF4-FFF2-40B4-BE49-F238E27FC236}">
-                <a16:creationId xmlns:a16="http://schemas.microsoft.com/office/drawing/2014/main" id="{13FFFF2D-CE43-4FCA-BE1A-8E33E2203525}"/>
-              </a:ext>
-            </a:extLst>
-          </p:cNvPr>
+          <p:cNvPr id="5" name="Footer Placeholder 4"/>
           <p:cNvSpPr>
             <a:spLocks noGrp="1"/>
           </p:cNvSpPr>
@@ -1166,13 +1037,7 @@
       </p:sp>
       <p:sp>
         <p:nvSpPr>
-          <p:cNvPr id="6" name="灯片编号占位符 5">
-            <a:extLst>
-              <a:ext uri="{FF2B5EF4-FFF2-40B4-BE49-F238E27FC236}">
-                <a16:creationId xmlns:a16="http://schemas.microsoft.com/office/drawing/2014/main" id="{917BBCF0-039F-4288-BF48-277D0E938B0D}"/>
-              </a:ext>
-            </a:extLst>
-          </p:cNvPr>
+          <p:cNvPr id="6" name="Slide Number Placeholder 5"/>
           <p:cNvSpPr>
             <a:spLocks noGrp="1"/>
           </p:cNvSpPr>
@@ -1196,7 +1061,7 @@
     </p:spTree>
     <p:extLst>
       <p:ext uri="{BB962C8B-B14F-4D97-AF65-F5344CB8AC3E}">
-        <p14:creationId xmlns:p14="http://schemas.microsoft.com/office/powerpoint/2010/main" val="4034523625"/>
+        <p14:creationId xmlns:p14="http://schemas.microsoft.com/office/powerpoint/2010/main" val="3977268997"/>
       </p:ext>
     </p:extLst>
   </p:cSld>
@@ -1225,13 +1090,7 @@
       </p:grpSpPr>
       <p:sp>
         <p:nvSpPr>
-          <p:cNvPr id="2" name="标题 1">
-            <a:extLst>
-              <a:ext uri="{FF2B5EF4-FFF2-40B4-BE49-F238E27FC236}">
-                <a16:creationId xmlns:a16="http://schemas.microsoft.com/office/drawing/2014/main" id="{762DF4B3-F07C-4862-9C7C-99D334DA3E8A}"/>
-              </a:ext>
-            </a:extLst>
-          </p:cNvPr>
+          <p:cNvPr id="2" name="Title 1"/>
           <p:cNvSpPr>
             <a:spLocks noGrp="1"/>
           </p:cNvSpPr>
@@ -1248,18 +1107,13 @@
               <a:rPr lang="zh-CN" altLang="en-US"/>
               <a:t>单击此处编辑母版标题样式</a:t>
             </a:r>
-          </a:p>
-        </p:txBody>
-      </p:sp>
-      <p:sp>
-        <p:nvSpPr>
-          <p:cNvPr id="3" name="内容占位符 2">
-            <a:extLst>
-              <a:ext uri="{FF2B5EF4-FFF2-40B4-BE49-F238E27FC236}">
-                <a16:creationId xmlns:a16="http://schemas.microsoft.com/office/drawing/2014/main" id="{9E07C58C-FC3B-4CA9-ACD3-9A546CF7DC3A}"/>
-              </a:ext>
-            </a:extLst>
-          </p:cNvPr>
+            <a:endParaRPr lang="en-US" dirty="0"/>
+          </a:p>
+        </p:txBody>
+      </p:sp>
+      <p:sp>
+        <p:nvSpPr>
+          <p:cNvPr id="3" name="Content Placeholder 2"/>
           <p:cNvSpPr>
             <a:spLocks noGrp="1"/>
           </p:cNvSpPr>
@@ -1269,8 +1123,8 @@
         </p:nvSpPr>
         <p:spPr>
           <a:xfrm>
-            <a:off x="838200" y="1825625"/>
-            <a:ext cx="5181600" cy="4351338"/>
+            <a:off x="742484" y="1533187"/>
+            <a:ext cx="4589899" cy="3654318"/>
           </a:xfrm>
         </p:spPr>
         <p:txBody>
@@ -1310,18 +1164,13 @@
               <a:rPr lang="zh-CN" altLang="en-US"/>
               <a:t>五级</a:t>
             </a:r>
-          </a:p>
-        </p:txBody>
-      </p:sp>
-      <p:sp>
-        <p:nvSpPr>
-          <p:cNvPr id="4" name="内容占位符 3">
-            <a:extLst>
-              <a:ext uri="{FF2B5EF4-FFF2-40B4-BE49-F238E27FC236}">
-                <a16:creationId xmlns:a16="http://schemas.microsoft.com/office/drawing/2014/main" id="{F2C55943-845F-4982-98EC-FC779E18F90A}"/>
-              </a:ext>
-            </a:extLst>
-          </p:cNvPr>
+            <a:endParaRPr lang="en-US" dirty="0"/>
+          </a:p>
+        </p:txBody>
+      </p:sp>
+      <p:sp>
+        <p:nvSpPr>
+          <p:cNvPr id="4" name="Content Placeholder 3"/>
           <p:cNvSpPr>
             <a:spLocks noGrp="1"/>
           </p:cNvSpPr>
@@ -1331,8 +1180,8 @@
         </p:nvSpPr>
         <p:spPr>
           <a:xfrm>
-            <a:off x="6172200" y="1825625"/>
-            <a:ext cx="5181600" cy="4351338"/>
+            <a:off x="5467380" y="1533187"/>
+            <a:ext cx="4589899" cy="3654318"/>
           </a:xfrm>
         </p:spPr>
         <p:txBody>
@@ -1372,18 +1221,13 @@
               <a:rPr lang="zh-CN" altLang="en-US"/>
               <a:t>五级</a:t>
             </a:r>
-          </a:p>
-        </p:txBody>
-      </p:sp>
-      <p:sp>
-        <p:nvSpPr>
-          <p:cNvPr id="5" name="日期占位符 4">
-            <a:extLst>
-              <a:ext uri="{FF2B5EF4-FFF2-40B4-BE49-F238E27FC236}">
-                <a16:creationId xmlns:a16="http://schemas.microsoft.com/office/drawing/2014/main" id="{707FF2E0-FCDD-45D7-B677-54B1264A2FB9}"/>
-              </a:ext>
-            </a:extLst>
-          </p:cNvPr>
+            <a:endParaRPr lang="en-US" dirty="0"/>
+          </a:p>
+        </p:txBody>
+      </p:sp>
+      <p:sp>
+        <p:nvSpPr>
+          <p:cNvPr id="5" name="Date Placeholder 4"/>
           <p:cNvSpPr>
             <a:spLocks noGrp="1"/>
           </p:cNvSpPr>
@@ -1398,7 +1242,7 @@
           <a:p>
             <a:fld id="{27C3EAE8-228B-4062-A371-1299B1E3ADF5}" type="datetimeFigureOut">
               <a:rPr lang="zh-CN" altLang="en-US" smtClean="0"/>
-              <a:t>2022/11/27</a:t>
+              <a:t>2022/11/28</a:t>
             </a:fld>
             <a:endParaRPr lang="zh-CN" altLang="en-US"/>
           </a:p>
@@ -1406,13 +1250,7 @@
       </p:sp>
       <p:sp>
         <p:nvSpPr>
-          <p:cNvPr id="6" name="页脚占位符 5">
-            <a:extLst>
-              <a:ext uri="{FF2B5EF4-FFF2-40B4-BE49-F238E27FC236}">
-                <a16:creationId xmlns:a16="http://schemas.microsoft.com/office/drawing/2014/main" id="{B7D786E1-A1FF-41CA-B02D-8F8AFB0414E5}"/>
-              </a:ext>
-            </a:extLst>
-          </p:cNvPr>
+          <p:cNvPr id="6" name="Footer Placeholder 5"/>
           <p:cNvSpPr>
             <a:spLocks noGrp="1"/>
           </p:cNvSpPr>
@@ -1431,13 +1269,7 @@
       </p:sp>
       <p:sp>
         <p:nvSpPr>
-          <p:cNvPr id="7" name="灯片编号占位符 6">
-            <a:extLst>
-              <a:ext uri="{FF2B5EF4-FFF2-40B4-BE49-F238E27FC236}">
-                <a16:creationId xmlns:a16="http://schemas.microsoft.com/office/drawing/2014/main" id="{F6070A22-B882-4E4E-A049-AA175EB9709A}"/>
-              </a:ext>
-            </a:extLst>
-          </p:cNvPr>
+          <p:cNvPr id="7" name="Slide Number Placeholder 6"/>
           <p:cNvSpPr>
             <a:spLocks noGrp="1"/>
           </p:cNvSpPr>
@@ -1461,7 +1293,7 @@
     </p:spTree>
     <p:extLst>
       <p:ext uri="{BB962C8B-B14F-4D97-AF65-F5344CB8AC3E}">
-        <p14:creationId xmlns:p14="http://schemas.microsoft.com/office/powerpoint/2010/main" val="3191401968"/>
+        <p14:creationId xmlns:p14="http://schemas.microsoft.com/office/powerpoint/2010/main" val="395200874"/>
       </p:ext>
     </p:extLst>
   </p:cSld>
@@ -1490,13 +1322,7 @@
       </p:grpSpPr>
       <p:sp>
         <p:nvSpPr>
-          <p:cNvPr id="2" name="标题 1">
-            <a:extLst>
-              <a:ext uri="{FF2B5EF4-FFF2-40B4-BE49-F238E27FC236}">
-                <a16:creationId xmlns:a16="http://schemas.microsoft.com/office/drawing/2014/main" id="{C5317418-B105-474D-8592-200D6FE1BCD6}"/>
-              </a:ext>
-            </a:extLst>
-          </p:cNvPr>
+          <p:cNvPr id="2" name="Title 1"/>
           <p:cNvSpPr>
             <a:spLocks noGrp="1"/>
           </p:cNvSpPr>
@@ -1506,8 +1332,8 @@
         </p:nvSpPr>
         <p:spPr>
           <a:xfrm>
-            <a:off x="839788" y="365125"/>
-            <a:ext cx="10515600" cy="1325563"/>
+            <a:off x="743890" y="306638"/>
+            <a:ext cx="9314796" cy="1113227"/>
           </a:xfrm>
         </p:spPr>
         <p:txBody>
@@ -1518,18 +1344,13 @@
               <a:rPr lang="zh-CN" altLang="en-US"/>
               <a:t>单击此处编辑母版标题样式</a:t>
             </a:r>
-          </a:p>
-        </p:txBody>
-      </p:sp>
-      <p:sp>
-        <p:nvSpPr>
-          <p:cNvPr id="3" name="文本占位符 2">
-            <a:extLst>
-              <a:ext uri="{FF2B5EF4-FFF2-40B4-BE49-F238E27FC236}">
-                <a16:creationId xmlns:a16="http://schemas.microsoft.com/office/drawing/2014/main" id="{9B4D8453-0538-4D0E-879A-343BF736E888}"/>
-              </a:ext>
-            </a:extLst>
-          </p:cNvPr>
+            <a:endParaRPr lang="en-US" dirty="0"/>
+          </a:p>
+        </p:txBody>
+      </p:sp>
+      <p:sp>
+        <p:nvSpPr>
+          <p:cNvPr id="3" name="Text Placeholder 2"/>
           <p:cNvSpPr>
             <a:spLocks noGrp="1"/>
           </p:cNvSpPr>
@@ -1539,8 +1360,8 @@
         </p:nvSpPr>
         <p:spPr>
           <a:xfrm>
-            <a:off x="839788" y="1681163"/>
-            <a:ext cx="5157787" cy="823912"/>
+            <a:off x="743891" y="1411865"/>
+            <a:ext cx="4568806" cy="691934"/>
           </a:xfrm>
         </p:spPr>
         <p:txBody>
@@ -1548,39 +1369,39 @@
           <a:lstStyle>
             <a:lvl1pPr marL="0" indent="0">
               <a:buNone/>
-              <a:defRPr sz="2400" b="1"/>
+              <a:defRPr sz="2016" b="1"/>
             </a:lvl1pPr>
-            <a:lvl2pPr marL="457200" indent="0">
-              <a:buNone/>
-              <a:defRPr sz="2000" b="1"/>
+            <a:lvl2pPr marL="383957" indent="0">
+              <a:buNone/>
+              <a:defRPr sz="1680" b="1"/>
             </a:lvl2pPr>
-            <a:lvl3pPr marL="914400" indent="0">
-              <a:buNone/>
-              <a:defRPr sz="1800" b="1"/>
+            <a:lvl3pPr marL="767913" indent="0">
+              <a:buNone/>
+              <a:defRPr sz="1512" b="1"/>
             </a:lvl3pPr>
-            <a:lvl4pPr marL="1371600" indent="0">
-              <a:buNone/>
-              <a:defRPr sz="1600" b="1"/>
+            <a:lvl4pPr marL="1151870" indent="0">
+              <a:buNone/>
+              <a:defRPr sz="1344" b="1"/>
             </a:lvl4pPr>
-            <a:lvl5pPr marL="1828800" indent="0">
-              <a:buNone/>
-              <a:defRPr sz="1600" b="1"/>
+            <a:lvl5pPr marL="1535826" indent="0">
+              <a:buNone/>
+              <a:defRPr sz="1344" b="1"/>
             </a:lvl5pPr>
-            <a:lvl6pPr marL="2286000" indent="0">
-              <a:buNone/>
-              <a:defRPr sz="1600" b="1"/>
+            <a:lvl6pPr marL="1919783" indent="0">
+              <a:buNone/>
+              <a:defRPr sz="1344" b="1"/>
             </a:lvl6pPr>
-            <a:lvl7pPr marL="2743200" indent="0">
-              <a:buNone/>
-              <a:defRPr sz="1600" b="1"/>
+            <a:lvl7pPr marL="2303739" indent="0">
+              <a:buNone/>
+              <a:defRPr sz="1344" b="1"/>
             </a:lvl7pPr>
-            <a:lvl8pPr marL="3200400" indent="0">
-              <a:buNone/>
-              <a:defRPr sz="1600" b="1"/>
+            <a:lvl8pPr marL="2687696" indent="0">
+              <a:buNone/>
+              <a:defRPr sz="1344" b="1"/>
             </a:lvl8pPr>
-            <a:lvl9pPr marL="3657600" indent="0">
-              <a:buNone/>
-              <a:defRPr sz="1600" b="1"/>
+            <a:lvl9pPr marL="3071652" indent="0">
+              <a:buNone/>
+              <a:defRPr sz="1344" b="1"/>
             </a:lvl9pPr>
           </a:lstStyle>
           <a:p>
@@ -1594,13 +1415,7 @@
       </p:sp>
       <p:sp>
         <p:nvSpPr>
-          <p:cNvPr id="4" name="内容占位符 3">
-            <a:extLst>
-              <a:ext uri="{FF2B5EF4-FFF2-40B4-BE49-F238E27FC236}">
-                <a16:creationId xmlns:a16="http://schemas.microsoft.com/office/drawing/2014/main" id="{0858BCB7-9A26-417C-8C94-AC06108E9954}"/>
-              </a:ext>
-            </a:extLst>
-          </p:cNvPr>
+          <p:cNvPr id="4" name="Content Placeholder 3"/>
           <p:cNvSpPr>
             <a:spLocks noGrp="1"/>
           </p:cNvSpPr>
@@ -1610,8 +1425,8 @@
         </p:nvSpPr>
         <p:spPr>
           <a:xfrm>
-            <a:off x="839788" y="2505075"/>
-            <a:ext cx="5157787" cy="3684588"/>
+            <a:off x="743891" y="2103799"/>
+            <a:ext cx="4568806" cy="3094372"/>
           </a:xfrm>
         </p:spPr>
         <p:txBody>
@@ -1651,18 +1466,13 @@
               <a:rPr lang="zh-CN" altLang="en-US"/>
               <a:t>五级</a:t>
             </a:r>
-          </a:p>
-        </p:txBody>
-      </p:sp>
-      <p:sp>
-        <p:nvSpPr>
-          <p:cNvPr id="5" name="文本占位符 4">
-            <a:extLst>
-              <a:ext uri="{FF2B5EF4-FFF2-40B4-BE49-F238E27FC236}">
-                <a16:creationId xmlns:a16="http://schemas.microsoft.com/office/drawing/2014/main" id="{AE9A3503-6388-4521-8F25-1B0BC654E9CF}"/>
-              </a:ext>
-            </a:extLst>
-          </p:cNvPr>
+            <a:endParaRPr lang="en-US" dirty="0"/>
+          </a:p>
+        </p:txBody>
+      </p:sp>
+      <p:sp>
+        <p:nvSpPr>
+          <p:cNvPr id="5" name="Text Placeholder 4"/>
           <p:cNvSpPr>
             <a:spLocks noGrp="1"/>
           </p:cNvSpPr>
@@ -1672,8 +1482,8 @@
         </p:nvSpPr>
         <p:spPr>
           <a:xfrm>
-            <a:off x="6172200" y="1681163"/>
-            <a:ext cx="5183188" cy="823912"/>
+            <a:off x="5467380" y="1411865"/>
+            <a:ext cx="4591306" cy="691934"/>
           </a:xfrm>
         </p:spPr>
         <p:txBody>
@@ -1681,39 +1491,39 @@
           <a:lstStyle>
             <a:lvl1pPr marL="0" indent="0">
               <a:buNone/>
-              <a:defRPr sz="2400" b="1"/>
+              <a:defRPr sz="2016" b="1"/>
             </a:lvl1pPr>
-            <a:lvl2pPr marL="457200" indent="0">
-              <a:buNone/>
-              <a:defRPr sz="2000" b="1"/>
+            <a:lvl2pPr marL="383957" indent="0">
+              <a:buNone/>
+              <a:defRPr sz="1680" b="1"/>
             </a:lvl2pPr>
-            <a:lvl3pPr marL="914400" indent="0">
-              <a:buNone/>
-              <a:defRPr sz="1800" b="1"/>
+            <a:lvl3pPr marL="767913" indent="0">
+              <a:buNone/>
+              <a:defRPr sz="1512" b="1"/>
             </a:lvl3pPr>
-            <a:lvl4pPr marL="1371600" indent="0">
-              <a:buNone/>
-              <a:defRPr sz="1600" b="1"/>
+            <a:lvl4pPr marL="1151870" indent="0">
+              <a:buNone/>
+              <a:defRPr sz="1344" b="1"/>
             </a:lvl4pPr>
-            <a:lvl5pPr marL="1828800" indent="0">
-              <a:buNone/>
-              <a:defRPr sz="1600" b="1"/>
+            <a:lvl5pPr marL="1535826" indent="0">
+              <a:buNone/>
+              <a:defRPr sz="1344" b="1"/>
             </a:lvl5pPr>
-            <a:lvl6pPr marL="2286000" indent="0">
-              <a:buNone/>
-              <a:defRPr sz="1600" b="1"/>
+            <a:lvl6pPr marL="1919783" indent="0">
+              <a:buNone/>
+              <a:defRPr sz="1344" b="1"/>
             </a:lvl6pPr>
-            <a:lvl7pPr marL="2743200" indent="0">
-              <a:buNone/>
-              <a:defRPr sz="1600" b="1"/>
+            <a:lvl7pPr marL="2303739" indent="0">
+              <a:buNone/>
+              <a:defRPr sz="1344" b="1"/>
             </a:lvl7pPr>
-            <a:lvl8pPr marL="3200400" indent="0">
-              <a:buNone/>
-              <a:defRPr sz="1600" b="1"/>
+            <a:lvl8pPr marL="2687696" indent="0">
+              <a:buNone/>
+              <a:defRPr sz="1344" b="1"/>
             </a:lvl8pPr>
-            <a:lvl9pPr marL="3657600" indent="0">
-              <a:buNone/>
-              <a:defRPr sz="1600" b="1"/>
+            <a:lvl9pPr marL="3071652" indent="0">
+              <a:buNone/>
+              <a:defRPr sz="1344" b="1"/>
             </a:lvl9pPr>
           </a:lstStyle>
           <a:p>
@@ -1727,13 +1537,7 @@
       </p:sp>
       <p:sp>
         <p:nvSpPr>
-          <p:cNvPr id="6" name="内容占位符 5">
-            <a:extLst>
-              <a:ext uri="{FF2B5EF4-FFF2-40B4-BE49-F238E27FC236}">
-                <a16:creationId xmlns:a16="http://schemas.microsoft.com/office/drawing/2014/main" id="{E06B0CF5-7E13-414A-BD2E-EFFDCBE432EE}"/>
-              </a:ext>
-            </a:extLst>
-          </p:cNvPr>
+          <p:cNvPr id="6" name="Content Placeholder 5"/>
           <p:cNvSpPr>
             <a:spLocks noGrp="1"/>
           </p:cNvSpPr>
@@ -1743,8 +1547,8 @@
         </p:nvSpPr>
         <p:spPr>
           <a:xfrm>
-            <a:off x="6172200" y="2505075"/>
-            <a:ext cx="5183188" cy="3684588"/>
+            <a:off x="5467380" y="2103799"/>
+            <a:ext cx="4591306" cy="3094372"/>
           </a:xfrm>
         </p:spPr>
         <p:txBody>
@@ -1784,18 +1588,13 @@
               <a:rPr lang="zh-CN" altLang="en-US"/>
               <a:t>五级</a:t>
             </a:r>
-          </a:p>
-        </p:txBody>
-      </p:sp>
-      <p:sp>
-        <p:nvSpPr>
-          <p:cNvPr id="7" name="日期占位符 6">
-            <a:extLst>
-              <a:ext uri="{FF2B5EF4-FFF2-40B4-BE49-F238E27FC236}">
-                <a16:creationId xmlns:a16="http://schemas.microsoft.com/office/drawing/2014/main" id="{FA925AC0-64E0-420F-928D-70C2DA31C0B1}"/>
-              </a:ext>
-            </a:extLst>
-          </p:cNvPr>
+            <a:endParaRPr lang="en-US" dirty="0"/>
+          </a:p>
+        </p:txBody>
+      </p:sp>
+      <p:sp>
+        <p:nvSpPr>
+          <p:cNvPr id="7" name="Date Placeholder 6"/>
           <p:cNvSpPr>
             <a:spLocks noGrp="1"/>
           </p:cNvSpPr>
@@ -1810,7 +1609,7 @@
           <a:p>
             <a:fld id="{27C3EAE8-228B-4062-A371-1299B1E3ADF5}" type="datetimeFigureOut">
               <a:rPr lang="zh-CN" altLang="en-US" smtClean="0"/>
-              <a:t>2022/11/27</a:t>
+              <a:t>2022/11/28</a:t>
             </a:fld>
             <a:endParaRPr lang="zh-CN" altLang="en-US"/>
           </a:p>
@@ -1818,13 +1617,7 @@
       </p:sp>
       <p:sp>
         <p:nvSpPr>
-          <p:cNvPr id="8" name="页脚占位符 7">
-            <a:extLst>
-              <a:ext uri="{FF2B5EF4-FFF2-40B4-BE49-F238E27FC236}">
-                <a16:creationId xmlns:a16="http://schemas.microsoft.com/office/drawing/2014/main" id="{5F36C60B-D092-4E2D-B25C-0384CC8F1491}"/>
-              </a:ext>
-            </a:extLst>
-          </p:cNvPr>
+          <p:cNvPr id="8" name="Footer Placeholder 7"/>
           <p:cNvSpPr>
             <a:spLocks noGrp="1"/>
           </p:cNvSpPr>
@@ -1843,13 +1636,7 @@
       </p:sp>
       <p:sp>
         <p:nvSpPr>
-          <p:cNvPr id="9" name="灯片编号占位符 8">
-            <a:extLst>
-              <a:ext uri="{FF2B5EF4-FFF2-40B4-BE49-F238E27FC236}">
-                <a16:creationId xmlns:a16="http://schemas.microsoft.com/office/drawing/2014/main" id="{CC4244BC-F59A-4FA9-98BB-58B044788FEC}"/>
-              </a:ext>
-            </a:extLst>
-          </p:cNvPr>
+          <p:cNvPr id="9" name="Slide Number Placeholder 8"/>
           <p:cNvSpPr>
             <a:spLocks noGrp="1"/>
           </p:cNvSpPr>
@@ -1873,7 +1660,7 @@
     </p:spTree>
     <p:extLst>
       <p:ext uri="{BB962C8B-B14F-4D97-AF65-F5344CB8AC3E}">
-        <p14:creationId xmlns:p14="http://schemas.microsoft.com/office/powerpoint/2010/main" val="2584212073"/>
+        <p14:creationId xmlns:p14="http://schemas.microsoft.com/office/powerpoint/2010/main" val="3004721619"/>
       </p:ext>
     </p:extLst>
   </p:cSld>
@@ -1902,13 +1689,7 @@
       </p:grpSpPr>
       <p:sp>
         <p:nvSpPr>
-          <p:cNvPr id="2" name="标题 1">
-            <a:extLst>
-              <a:ext uri="{FF2B5EF4-FFF2-40B4-BE49-F238E27FC236}">
-                <a16:creationId xmlns:a16="http://schemas.microsoft.com/office/drawing/2014/main" id="{F614EBD7-BBB7-49B3-8643-A452EDB118DB}"/>
-              </a:ext>
-            </a:extLst>
-          </p:cNvPr>
+          <p:cNvPr id="2" name="Title 1"/>
           <p:cNvSpPr>
             <a:spLocks noGrp="1"/>
           </p:cNvSpPr>
@@ -1925,18 +1706,13 @@
               <a:rPr lang="zh-CN" altLang="en-US"/>
               <a:t>单击此处编辑母版标题样式</a:t>
             </a:r>
-          </a:p>
-        </p:txBody>
-      </p:sp>
-      <p:sp>
-        <p:nvSpPr>
-          <p:cNvPr id="3" name="日期占位符 2">
-            <a:extLst>
-              <a:ext uri="{FF2B5EF4-FFF2-40B4-BE49-F238E27FC236}">
-                <a16:creationId xmlns:a16="http://schemas.microsoft.com/office/drawing/2014/main" id="{0F97DE65-3FB5-432A-8E8D-0FD96CBE8ABA}"/>
-              </a:ext>
-            </a:extLst>
-          </p:cNvPr>
+            <a:endParaRPr lang="en-US" dirty="0"/>
+          </a:p>
+        </p:txBody>
+      </p:sp>
+      <p:sp>
+        <p:nvSpPr>
+          <p:cNvPr id="3" name="Date Placeholder 2"/>
           <p:cNvSpPr>
             <a:spLocks noGrp="1"/>
           </p:cNvSpPr>
@@ -1951,7 +1727,7 @@
           <a:p>
             <a:fld id="{27C3EAE8-228B-4062-A371-1299B1E3ADF5}" type="datetimeFigureOut">
               <a:rPr lang="zh-CN" altLang="en-US" smtClean="0"/>
-              <a:t>2022/11/27</a:t>
+              <a:t>2022/11/28</a:t>
             </a:fld>
             <a:endParaRPr lang="zh-CN" altLang="en-US"/>
           </a:p>
@@ -1959,13 +1735,7 @@
       </p:sp>
       <p:sp>
         <p:nvSpPr>
-          <p:cNvPr id="4" name="页脚占位符 3">
-            <a:extLst>
-              <a:ext uri="{FF2B5EF4-FFF2-40B4-BE49-F238E27FC236}">
-                <a16:creationId xmlns:a16="http://schemas.microsoft.com/office/drawing/2014/main" id="{C4111EF4-CBCE-4907-A782-E9597DB4C456}"/>
-              </a:ext>
-            </a:extLst>
-          </p:cNvPr>
+          <p:cNvPr id="4" name="Footer Placeholder 3"/>
           <p:cNvSpPr>
             <a:spLocks noGrp="1"/>
           </p:cNvSpPr>
@@ -1984,13 +1754,7 @@
       </p:sp>
       <p:sp>
         <p:nvSpPr>
-          <p:cNvPr id="5" name="灯片编号占位符 4">
-            <a:extLst>
-              <a:ext uri="{FF2B5EF4-FFF2-40B4-BE49-F238E27FC236}">
-                <a16:creationId xmlns:a16="http://schemas.microsoft.com/office/drawing/2014/main" id="{8EBBCE77-12FF-4160-99ED-77FA59102B76}"/>
-              </a:ext>
-            </a:extLst>
-          </p:cNvPr>
+          <p:cNvPr id="5" name="Slide Number Placeholder 4"/>
           <p:cNvSpPr>
             <a:spLocks noGrp="1"/>
           </p:cNvSpPr>
@@ -2014,7 +1778,7 @@
     </p:spTree>
     <p:extLst>
       <p:ext uri="{BB962C8B-B14F-4D97-AF65-F5344CB8AC3E}">
-        <p14:creationId xmlns:p14="http://schemas.microsoft.com/office/powerpoint/2010/main" val="3858903821"/>
+        <p14:creationId xmlns:p14="http://schemas.microsoft.com/office/powerpoint/2010/main" val="258956356"/>
       </p:ext>
     </p:extLst>
   </p:cSld>
@@ -2043,13 +1807,7 @@
       </p:grpSpPr>
       <p:sp>
         <p:nvSpPr>
-          <p:cNvPr id="2" name="日期占位符 1">
-            <a:extLst>
-              <a:ext uri="{FF2B5EF4-FFF2-40B4-BE49-F238E27FC236}">
-                <a16:creationId xmlns:a16="http://schemas.microsoft.com/office/drawing/2014/main" id="{A9A5922E-9C43-44BE-8829-E611CB4E6D72}"/>
-              </a:ext>
-            </a:extLst>
-          </p:cNvPr>
+          <p:cNvPr id="2" name="Date Placeholder 1"/>
           <p:cNvSpPr>
             <a:spLocks noGrp="1"/>
           </p:cNvSpPr>
@@ -2064,7 +1822,7 @@
           <a:p>
             <a:fld id="{27C3EAE8-228B-4062-A371-1299B1E3ADF5}" type="datetimeFigureOut">
               <a:rPr lang="zh-CN" altLang="en-US" smtClean="0"/>
-              <a:t>2022/11/27</a:t>
+              <a:t>2022/11/28</a:t>
             </a:fld>
             <a:endParaRPr lang="zh-CN" altLang="en-US"/>
           </a:p>
@@ -2072,13 +1830,7 @@
       </p:sp>
       <p:sp>
         <p:nvSpPr>
-          <p:cNvPr id="3" name="页脚占位符 2">
-            <a:extLst>
-              <a:ext uri="{FF2B5EF4-FFF2-40B4-BE49-F238E27FC236}">
-                <a16:creationId xmlns:a16="http://schemas.microsoft.com/office/drawing/2014/main" id="{7FE54B2A-ACFC-475C-805B-DD2330BF592C}"/>
-              </a:ext>
-            </a:extLst>
-          </p:cNvPr>
+          <p:cNvPr id="3" name="Footer Placeholder 2"/>
           <p:cNvSpPr>
             <a:spLocks noGrp="1"/>
           </p:cNvSpPr>
@@ -2097,13 +1849,7 @@
       </p:sp>
       <p:sp>
         <p:nvSpPr>
-          <p:cNvPr id="4" name="灯片编号占位符 3">
-            <a:extLst>
-              <a:ext uri="{FF2B5EF4-FFF2-40B4-BE49-F238E27FC236}">
-                <a16:creationId xmlns:a16="http://schemas.microsoft.com/office/drawing/2014/main" id="{BBDA2880-E657-4898-B027-951BDBD0CF8E}"/>
-              </a:ext>
-            </a:extLst>
-          </p:cNvPr>
+          <p:cNvPr id="4" name="Slide Number Placeholder 3"/>
           <p:cNvSpPr>
             <a:spLocks noGrp="1"/>
           </p:cNvSpPr>
@@ -2127,7 +1873,7 @@
     </p:spTree>
     <p:extLst>
       <p:ext uri="{BB962C8B-B14F-4D97-AF65-F5344CB8AC3E}">
-        <p14:creationId xmlns:p14="http://schemas.microsoft.com/office/powerpoint/2010/main" val="3183003667"/>
+        <p14:creationId xmlns:p14="http://schemas.microsoft.com/office/powerpoint/2010/main" val="2526186980"/>
       </p:ext>
     </p:extLst>
   </p:cSld>
@@ -2156,13 +1902,7 @@
       </p:grpSpPr>
       <p:sp>
         <p:nvSpPr>
-          <p:cNvPr id="2" name="标题 1">
-            <a:extLst>
-              <a:ext uri="{FF2B5EF4-FFF2-40B4-BE49-F238E27FC236}">
-                <a16:creationId xmlns:a16="http://schemas.microsoft.com/office/drawing/2014/main" id="{CFA60738-FA37-48C6-865C-CE1DF84E9B77}"/>
-              </a:ext>
-            </a:extLst>
-          </p:cNvPr>
+          <p:cNvPr id="2" name="Title 1"/>
           <p:cNvSpPr>
             <a:spLocks noGrp="1"/>
           </p:cNvSpPr>
@@ -2172,15 +1912,15 @@
         </p:nvSpPr>
         <p:spPr>
           <a:xfrm>
-            <a:off x="839788" y="457200"/>
-            <a:ext cx="3932237" cy="1600200"/>
+            <a:off x="743891" y="383963"/>
+            <a:ext cx="3483204" cy="1343872"/>
           </a:xfrm>
         </p:spPr>
         <p:txBody>
           <a:bodyPr anchor="b"/>
           <a:lstStyle>
             <a:lvl1pPr>
-              <a:defRPr sz="3200"/>
+              <a:defRPr sz="2687"/>
             </a:lvl1pPr>
           </a:lstStyle>
           <a:p>
@@ -2188,18 +1928,13 @@
               <a:rPr lang="zh-CN" altLang="en-US"/>
               <a:t>单击此处编辑母版标题样式</a:t>
             </a:r>
-          </a:p>
-        </p:txBody>
-      </p:sp>
-      <p:sp>
-        <p:nvSpPr>
-          <p:cNvPr id="3" name="内容占位符 2">
-            <a:extLst>
-              <a:ext uri="{FF2B5EF4-FFF2-40B4-BE49-F238E27FC236}">
-                <a16:creationId xmlns:a16="http://schemas.microsoft.com/office/drawing/2014/main" id="{6E283D59-72E3-4917-9BF6-ADE5C9A5D9E3}"/>
-              </a:ext>
-            </a:extLst>
-          </p:cNvPr>
+            <a:endParaRPr lang="en-US" dirty="0"/>
+          </a:p>
+        </p:txBody>
+      </p:sp>
+      <p:sp>
+        <p:nvSpPr>
+          <p:cNvPr id="3" name="Content Placeholder 2"/>
           <p:cNvSpPr>
             <a:spLocks noGrp="1"/>
           </p:cNvSpPr>
@@ -2209,39 +1944,39 @@
         </p:nvSpPr>
         <p:spPr>
           <a:xfrm>
-            <a:off x="5183188" y="987425"/>
-            <a:ext cx="6172200" cy="4873625"/>
+            <a:off x="4591306" y="829255"/>
+            <a:ext cx="5467380" cy="4092942"/>
           </a:xfrm>
         </p:spPr>
         <p:txBody>
           <a:bodyPr/>
           <a:lstStyle>
             <a:lvl1pPr>
-              <a:defRPr sz="3200"/>
+              <a:defRPr sz="2687"/>
             </a:lvl1pPr>
             <a:lvl2pPr>
-              <a:defRPr sz="2800"/>
+              <a:defRPr sz="2351"/>
             </a:lvl2pPr>
             <a:lvl3pPr>
-              <a:defRPr sz="2400"/>
+              <a:defRPr sz="2016"/>
             </a:lvl3pPr>
             <a:lvl4pPr>
-              <a:defRPr sz="2000"/>
+              <a:defRPr sz="1680"/>
             </a:lvl4pPr>
             <a:lvl5pPr>
-              <a:defRPr sz="2000"/>
+              <a:defRPr sz="1680"/>
             </a:lvl5pPr>
             <a:lvl6pPr>
-              <a:defRPr sz="2000"/>
+              <a:defRPr sz="1680"/>
             </a:lvl6pPr>
             <a:lvl7pPr>
-              <a:defRPr sz="2000"/>
+              <a:defRPr sz="1680"/>
             </a:lvl7pPr>
             <a:lvl8pPr>
-              <a:defRPr sz="2000"/>
+              <a:defRPr sz="1680"/>
             </a:lvl8pPr>
             <a:lvl9pPr>
-              <a:defRPr sz="2000"/>
+              <a:defRPr sz="1680"/>
             </a:lvl9pPr>
           </a:lstStyle>
           <a:p>
@@ -2278,18 +2013,13 @@
               <a:rPr lang="zh-CN" altLang="en-US"/>
               <a:t>五级</a:t>
             </a:r>
-          </a:p>
-        </p:txBody>
-      </p:sp>
-      <p:sp>
-        <p:nvSpPr>
-          <p:cNvPr id="4" name="文本占位符 3">
-            <a:extLst>
-              <a:ext uri="{FF2B5EF4-FFF2-40B4-BE49-F238E27FC236}">
-                <a16:creationId xmlns:a16="http://schemas.microsoft.com/office/drawing/2014/main" id="{056791A9-F320-48D8-8EF9-B568FD24E16B}"/>
-              </a:ext>
-            </a:extLst>
-          </p:cNvPr>
+            <a:endParaRPr lang="en-US" dirty="0"/>
+          </a:p>
+        </p:txBody>
+      </p:sp>
+      <p:sp>
+        <p:nvSpPr>
+          <p:cNvPr id="4" name="Text Placeholder 3"/>
           <p:cNvSpPr>
             <a:spLocks noGrp="1"/>
           </p:cNvSpPr>
@@ -2299,8 +2029,8 @@
         </p:nvSpPr>
         <p:spPr>
           <a:xfrm>
-            <a:off x="839788" y="2057400"/>
-            <a:ext cx="3932237" cy="3811588"/>
+            <a:off x="743891" y="1727835"/>
+            <a:ext cx="3483204" cy="3201028"/>
           </a:xfrm>
         </p:spPr>
         <p:txBody>
@@ -2308,39 +2038,39 @@
           <a:lstStyle>
             <a:lvl1pPr marL="0" indent="0">
               <a:buNone/>
-              <a:defRPr sz="1600"/>
+              <a:defRPr sz="1344"/>
             </a:lvl1pPr>
-            <a:lvl2pPr marL="457200" indent="0">
-              <a:buNone/>
-              <a:defRPr sz="1400"/>
+            <a:lvl2pPr marL="383957" indent="0">
+              <a:buNone/>
+              <a:defRPr sz="1176"/>
             </a:lvl2pPr>
-            <a:lvl3pPr marL="914400" indent="0">
-              <a:buNone/>
-              <a:defRPr sz="1200"/>
+            <a:lvl3pPr marL="767913" indent="0">
+              <a:buNone/>
+              <a:defRPr sz="1008"/>
             </a:lvl3pPr>
-            <a:lvl4pPr marL="1371600" indent="0">
-              <a:buNone/>
-              <a:defRPr sz="1000"/>
+            <a:lvl4pPr marL="1151870" indent="0">
+              <a:buNone/>
+              <a:defRPr sz="840"/>
             </a:lvl4pPr>
-            <a:lvl5pPr marL="1828800" indent="0">
-              <a:buNone/>
-              <a:defRPr sz="1000"/>
+            <a:lvl5pPr marL="1535826" indent="0">
+              <a:buNone/>
+              <a:defRPr sz="840"/>
             </a:lvl5pPr>
-            <a:lvl6pPr marL="2286000" indent="0">
-              <a:buNone/>
-              <a:defRPr sz="1000"/>
+            <a:lvl6pPr marL="1919783" indent="0">
+              <a:buNone/>
+              <a:defRPr sz="840"/>
             </a:lvl6pPr>
-            <a:lvl7pPr marL="2743200" indent="0">
-              <a:buNone/>
-              <a:defRPr sz="1000"/>
+            <a:lvl7pPr marL="2303739" indent="0">
+              <a:buNone/>
+              <a:defRPr sz="840"/>
             </a:lvl7pPr>
-            <a:lvl8pPr marL="3200400" indent="0">
-              <a:buNone/>
-              <a:defRPr sz="1000"/>
+            <a:lvl8pPr marL="2687696" indent="0">
+              <a:buNone/>
+              <a:defRPr sz="840"/>
             </a:lvl8pPr>
-            <a:lvl9pPr marL="3657600" indent="0">
-              <a:buNone/>
-              <a:defRPr sz="1000"/>
+            <a:lvl9pPr marL="3071652" indent="0">
+              <a:buNone/>
+              <a:defRPr sz="840"/>
             </a:lvl9pPr>
           </a:lstStyle>
           <a:p>
@@ -2354,13 +2084,7 @@
       </p:sp>
       <p:sp>
         <p:nvSpPr>
-          <p:cNvPr id="5" name="日期占位符 4">
-            <a:extLst>
-              <a:ext uri="{FF2B5EF4-FFF2-40B4-BE49-F238E27FC236}">
-                <a16:creationId xmlns:a16="http://schemas.microsoft.com/office/drawing/2014/main" id="{2EABCFD2-40F2-4BFE-A85E-C65AD6CD9051}"/>
-              </a:ext>
-            </a:extLst>
-          </p:cNvPr>
+          <p:cNvPr id="5" name="Date Placeholder 4"/>
           <p:cNvSpPr>
             <a:spLocks noGrp="1"/>
           </p:cNvSpPr>
@@ -2375,7 +2099,7 @@
           <a:p>
             <a:fld id="{27C3EAE8-228B-4062-A371-1299B1E3ADF5}" type="datetimeFigureOut">
               <a:rPr lang="zh-CN" altLang="en-US" smtClean="0"/>
-              <a:t>2022/11/27</a:t>
+              <a:t>2022/11/28</a:t>
             </a:fld>
             <a:endParaRPr lang="zh-CN" altLang="en-US"/>
           </a:p>
@@ -2383,13 +2107,7 @@
       </p:sp>
       <p:sp>
         <p:nvSpPr>
-          <p:cNvPr id="6" name="页脚占位符 5">
-            <a:extLst>
-              <a:ext uri="{FF2B5EF4-FFF2-40B4-BE49-F238E27FC236}">
-                <a16:creationId xmlns:a16="http://schemas.microsoft.com/office/drawing/2014/main" id="{AC41937D-1ABC-4D41-ADF8-753240033D3B}"/>
-              </a:ext>
-            </a:extLst>
-          </p:cNvPr>
+          <p:cNvPr id="6" name="Footer Placeholder 5"/>
           <p:cNvSpPr>
             <a:spLocks noGrp="1"/>
           </p:cNvSpPr>
@@ -2408,13 +2126,7 @@
       </p:sp>
       <p:sp>
         <p:nvSpPr>
-          <p:cNvPr id="7" name="灯片编号占位符 6">
-            <a:extLst>
-              <a:ext uri="{FF2B5EF4-FFF2-40B4-BE49-F238E27FC236}">
-                <a16:creationId xmlns:a16="http://schemas.microsoft.com/office/drawing/2014/main" id="{4921A668-DE15-4FF7-BB69-616C319D684C}"/>
-              </a:ext>
-            </a:extLst>
-          </p:cNvPr>
+          <p:cNvPr id="7" name="Slide Number Placeholder 6"/>
           <p:cNvSpPr>
             <a:spLocks noGrp="1"/>
           </p:cNvSpPr>
@@ -2438,7 +2150,7 @@
     </p:spTree>
     <p:extLst>
       <p:ext uri="{BB962C8B-B14F-4D97-AF65-F5344CB8AC3E}">
-        <p14:creationId xmlns:p14="http://schemas.microsoft.com/office/powerpoint/2010/main" val="578932085"/>
+        <p14:creationId xmlns:p14="http://schemas.microsoft.com/office/powerpoint/2010/main" val="4058569445"/>
       </p:ext>
     </p:extLst>
   </p:cSld>
@@ -2467,13 +2179,7 @@
       </p:grpSpPr>
       <p:sp>
         <p:nvSpPr>
-          <p:cNvPr id="2" name="标题 1">
-            <a:extLst>
-              <a:ext uri="{FF2B5EF4-FFF2-40B4-BE49-F238E27FC236}">
-                <a16:creationId xmlns:a16="http://schemas.microsoft.com/office/drawing/2014/main" id="{2010E83A-E679-42F8-A375-507E8BE28A1E}"/>
-              </a:ext>
-            </a:extLst>
-          </p:cNvPr>
+          <p:cNvPr id="2" name="Title 1"/>
           <p:cNvSpPr>
             <a:spLocks noGrp="1"/>
           </p:cNvSpPr>
@@ -2483,15 +2189,15 @@
         </p:nvSpPr>
         <p:spPr>
           <a:xfrm>
-            <a:off x="839788" y="457200"/>
-            <a:ext cx="3932237" cy="1600200"/>
+            <a:off x="743891" y="383963"/>
+            <a:ext cx="3483204" cy="1343872"/>
           </a:xfrm>
         </p:spPr>
         <p:txBody>
           <a:bodyPr anchor="b"/>
           <a:lstStyle>
             <a:lvl1pPr>
-              <a:defRPr sz="3200"/>
+              <a:defRPr sz="2687"/>
             </a:lvl1pPr>
           </a:lstStyle>
           <a:p>
@@ -2499,20 +2205,15 @@
               <a:rPr lang="zh-CN" altLang="en-US"/>
               <a:t>单击此处编辑母版标题样式</a:t>
             </a:r>
-          </a:p>
-        </p:txBody>
-      </p:sp>
-      <p:sp>
-        <p:nvSpPr>
-          <p:cNvPr id="3" name="图片占位符 2">
-            <a:extLst>
-              <a:ext uri="{FF2B5EF4-FFF2-40B4-BE49-F238E27FC236}">
-                <a16:creationId xmlns:a16="http://schemas.microsoft.com/office/drawing/2014/main" id="{55B550A2-83AD-4205-B939-FD1177511A19}"/>
-              </a:ext>
-            </a:extLst>
-          </p:cNvPr>
-          <p:cNvSpPr>
-            <a:spLocks noGrp="1"/>
+            <a:endParaRPr lang="en-US" dirty="0"/>
+          </a:p>
+        </p:txBody>
+      </p:sp>
+      <p:sp>
+        <p:nvSpPr>
+          <p:cNvPr id="3" name="Picture Placeholder 2"/>
+          <p:cNvSpPr>
+            <a:spLocks noGrp="1" noChangeAspect="1"/>
           </p:cNvSpPr>
           <p:nvPr>
             <p:ph type="pic" idx="1"/>
@@ -2520,64 +2221,62 @@
         </p:nvSpPr>
         <p:spPr>
           <a:xfrm>
-            <a:off x="5183188" y="987425"/>
-            <a:ext cx="6172200" cy="4873625"/>
+            <a:off x="4591306" y="829255"/>
+            <a:ext cx="5467380" cy="4092942"/>
           </a:xfrm>
         </p:spPr>
         <p:txBody>
-          <a:bodyPr/>
+          <a:bodyPr anchor="t"/>
           <a:lstStyle>
             <a:lvl1pPr marL="0" indent="0">
               <a:buNone/>
-              <a:defRPr sz="3200"/>
+              <a:defRPr sz="2687"/>
             </a:lvl1pPr>
-            <a:lvl2pPr marL="457200" indent="0">
-              <a:buNone/>
-              <a:defRPr sz="2800"/>
+            <a:lvl2pPr marL="383957" indent="0">
+              <a:buNone/>
+              <a:defRPr sz="2351"/>
             </a:lvl2pPr>
-            <a:lvl3pPr marL="914400" indent="0">
-              <a:buNone/>
-              <a:defRPr sz="2400"/>
+            <a:lvl3pPr marL="767913" indent="0">
+              <a:buNone/>
+              <a:defRPr sz="2016"/>
             </a:lvl3pPr>
-            <a:lvl4pPr marL="1371600" indent="0">
-              <a:buNone/>
-              <a:defRPr sz="2000"/>
+            <a:lvl4pPr marL="1151870" indent="0">
+              <a:buNone/>
+              <a:defRPr sz="1680"/>
             </a:lvl4pPr>
-            <a:lvl5pPr marL="1828800" indent="0">
-              <a:buNone/>
-              <a:defRPr sz="2000"/>
+            <a:lvl5pPr marL="1535826" indent="0">
+              <a:buNone/>
+              <a:defRPr sz="1680"/>
             </a:lvl5pPr>
-            <a:lvl6pPr marL="2286000" indent="0">
-              <a:buNone/>
-              <a:defRPr sz="2000"/>
+            <a:lvl6pPr marL="1919783" indent="0">
+              <a:buNone/>
+              <a:defRPr sz="1680"/>
             </a:lvl6pPr>
-            <a:lvl7pPr marL="2743200" indent="0">
-              <a:buNone/>
-              <a:defRPr sz="2000"/>
+            <a:lvl7pPr marL="2303739" indent="0">
+              <a:buNone/>
+              <a:defRPr sz="1680"/>
             </a:lvl7pPr>
-            <a:lvl8pPr marL="3200400" indent="0">
-              <a:buNone/>
-              <a:defRPr sz="2000"/>
+            <a:lvl8pPr marL="2687696" indent="0">
+              <a:buNone/>
+              <a:defRPr sz="1680"/>
             </a:lvl8pPr>
-            <a:lvl9pPr marL="3657600" indent="0">
-              <a:buNone/>
-              <a:defRPr sz="2000"/>
+            <a:lvl9pPr marL="3071652" indent="0">
+              <a:buNone/>
+              <a:defRPr sz="1680"/>
             </a:lvl9pPr>
           </a:lstStyle>
           <a:p>
-            <a:endParaRPr lang="zh-CN" altLang="en-US"/>
-          </a:p>
-        </p:txBody>
-      </p:sp>
-      <p:sp>
-        <p:nvSpPr>
-          <p:cNvPr id="4" name="文本占位符 3">
-            <a:extLst>
-              <a:ext uri="{FF2B5EF4-FFF2-40B4-BE49-F238E27FC236}">
-                <a16:creationId xmlns:a16="http://schemas.microsoft.com/office/drawing/2014/main" id="{F00A8757-C9D2-4E5B-96CE-A1CE6198A82A}"/>
-              </a:ext>
-            </a:extLst>
-          </p:cNvPr>
+            <a:r>
+              <a:rPr lang="zh-CN" altLang="en-US"/>
+              <a:t>单击图标添加图片</a:t>
+            </a:r>
+            <a:endParaRPr lang="en-US" dirty="0"/>
+          </a:p>
+        </p:txBody>
+      </p:sp>
+      <p:sp>
+        <p:nvSpPr>
+          <p:cNvPr id="4" name="Text Placeholder 3"/>
           <p:cNvSpPr>
             <a:spLocks noGrp="1"/>
           </p:cNvSpPr>
@@ -2587,8 +2286,8 @@
         </p:nvSpPr>
         <p:spPr>
           <a:xfrm>
-            <a:off x="839788" y="2057400"/>
-            <a:ext cx="3932237" cy="3811588"/>
+            <a:off x="743891" y="1727835"/>
+            <a:ext cx="3483204" cy="3201028"/>
           </a:xfrm>
         </p:spPr>
         <p:txBody>
@@ -2596,39 +2295,39 @@
           <a:lstStyle>
             <a:lvl1pPr marL="0" indent="0">
               <a:buNone/>
-              <a:defRPr sz="1600"/>
+              <a:defRPr sz="1344"/>
             </a:lvl1pPr>
-            <a:lvl2pPr marL="457200" indent="0">
-              <a:buNone/>
-              <a:defRPr sz="1400"/>
+            <a:lvl2pPr marL="383957" indent="0">
+              <a:buNone/>
+              <a:defRPr sz="1176"/>
             </a:lvl2pPr>
-            <a:lvl3pPr marL="914400" indent="0">
-              <a:buNone/>
-              <a:defRPr sz="1200"/>
+            <a:lvl3pPr marL="767913" indent="0">
+              <a:buNone/>
+              <a:defRPr sz="1008"/>
             </a:lvl3pPr>
-            <a:lvl4pPr marL="1371600" indent="0">
-              <a:buNone/>
-              <a:defRPr sz="1000"/>
+            <a:lvl4pPr marL="1151870" indent="0">
+              <a:buNone/>
+              <a:defRPr sz="840"/>
             </a:lvl4pPr>
-            <a:lvl5pPr marL="1828800" indent="0">
-              <a:buNone/>
-              <a:defRPr sz="1000"/>
+            <a:lvl5pPr marL="1535826" indent="0">
+              <a:buNone/>
+              <a:defRPr sz="840"/>
             </a:lvl5pPr>
-            <a:lvl6pPr marL="2286000" indent="0">
-              <a:buNone/>
-              <a:defRPr sz="1000"/>
+            <a:lvl6pPr marL="1919783" indent="0">
+              <a:buNone/>
+              <a:defRPr sz="840"/>
             </a:lvl6pPr>
-            <a:lvl7pPr marL="2743200" indent="0">
-              <a:buNone/>
-              <a:defRPr sz="1000"/>
+            <a:lvl7pPr marL="2303739" indent="0">
+              <a:buNone/>
+              <a:defRPr sz="840"/>
             </a:lvl7pPr>
-            <a:lvl8pPr marL="3200400" indent="0">
-              <a:buNone/>
-              <a:defRPr sz="1000"/>
+            <a:lvl8pPr marL="2687696" indent="0">
+              <a:buNone/>
+              <a:defRPr sz="840"/>
             </a:lvl8pPr>
-            <a:lvl9pPr marL="3657600" indent="0">
-              <a:buNone/>
-              <a:defRPr sz="1000"/>
+            <a:lvl9pPr marL="3071652" indent="0">
+              <a:buNone/>
+              <a:defRPr sz="840"/>
             </a:lvl9pPr>
           </a:lstStyle>
           <a:p>
@@ -2642,13 +2341,7 @@
       </p:sp>
       <p:sp>
         <p:nvSpPr>
-          <p:cNvPr id="5" name="日期占位符 4">
-            <a:extLst>
-              <a:ext uri="{FF2B5EF4-FFF2-40B4-BE49-F238E27FC236}">
-                <a16:creationId xmlns:a16="http://schemas.microsoft.com/office/drawing/2014/main" id="{250DD8B2-15E3-4BBD-8CA2-2DD99B40EA56}"/>
-              </a:ext>
-            </a:extLst>
-          </p:cNvPr>
+          <p:cNvPr id="5" name="Date Placeholder 4"/>
           <p:cNvSpPr>
             <a:spLocks noGrp="1"/>
           </p:cNvSpPr>
@@ -2663,7 +2356,7 @@
           <a:p>
             <a:fld id="{27C3EAE8-228B-4062-A371-1299B1E3ADF5}" type="datetimeFigureOut">
               <a:rPr lang="zh-CN" altLang="en-US" smtClean="0"/>
-              <a:t>2022/11/27</a:t>
+              <a:t>2022/11/28</a:t>
             </a:fld>
             <a:endParaRPr lang="zh-CN" altLang="en-US"/>
           </a:p>
@@ -2671,13 +2364,7 @@
       </p:sp>
       <p:sp>
         <p:nvSpPr>
-          <p:cNvPr id="6" name="页脚占位符 5">
-            <a:extLst>
-              <a:ext uri="{FF2B5EF4-FFF2-40B4-BE49-F238E27FC236}">
-                <a16:creationId xmlns:a16="http://schemas.microsoft.com/office/drawing/2014/main" id="{78DB56BE-806C-4B03-B4E0-ECFF91D447A3}"/>
-              </a:ext>
-            </a:extLst>
-          </p:cNvPr>
+          <p:cNvPr id="6" name="Footer Placeholder 5"/>
           <p:cNvSpPr>
             <a:spLocks noGrp="1"/>
           </p:cNvSpPr>
@@ -2696,13 +2383,7 @@
       </p:sp>
       <p:sp>
         <p:nvSpPr>
-          <p:cNvPr id="7" name="灯片编号占位符 6">
-            <a:extLst>
-              <a:ext uri="{FF2B5EF4-FFF2-40B4-BE49-F238E27FC236}">
-                <a16:creationId xmlns:a16="http://schemas.microsoft.com/office/drawing/2014/main" id="{2D701BD6-07BB-43B4-A3F3-F16025F26755}"/>
-              </a:ext>
-            </a:extLst>
-          </p:cNvPr>
+          <p:cNvPr id="7" name="Slide Number Placeholder 6"/>
           <p:cNvSpPr>
             <a:spLocks noGrp="1"/>
           </p:cNvSpPr>
@@ -2726,7 +2407,7 @@
     </p:spTree>
     <p:extLst>
       <p:ext uri="{BB962C8B-B14F-4D97-AF65-F5344CB8AC3E}">
-        <p14:creationId xmlns:p14="http://schemas.microsoft.com/office/powerpoint/2010/main" val="3697586975"/>
+        <p14:creationId xmlns:p14="http://schemas.microsoft.com/office/powerpoint/2010/main" val="4197362317"/>
       </p:ext>
     </p:extLst>
   </p:cSld>
@@ -2760,13 +2441,7 @@
       </p:grpSpPr>
       <p:sp>
         <p:nvSpPr>
-          <p:cNvPr id="2" name="标题占位符 1">
-            <a:extLst>
-              <a:ext uri="{FF2B5EF4-FFF2-40B4-BE49-F238E27FC236}">
-                <a16:creationId xmlns:a16="http://schemas.microsoft.com/office/drawing/2014/main" id="{823E8851-1C81-4C6D-9B70-42560C715C8F}"/>
-              </a:ext>
-            </a:extLst>
-          </p:cNvPr>
+          <p:cNvPr id="2" name="Title Placeholder 1"/>
           <p:cNvSpPr>
             <a:spLocks noGrp="1"/>
           </p:cNvSpPr>
@@ -2776,8 +2451,8 @@
         </p:nvSpPr>
         <p:spPr>
           <a:xfrm>
-            <a:off x="838200" y="365125"/>
-            <a:ext cx="10515600" cy="1325563"/>
+            <a:off x="742484" y="306638"/>
+            <a:ext cx="9314796" cy="1113227"/>
           </a:xfrm>
           <a:prstGeom prst="rect">
             <a:avLst/>
@@ -2793,18 +2468,13 @@
               <a:rPr lang="zh-CN" altLang="en-US"/>
               <a:t>单击此处编辑母版标题样式</a:t>
             </a:r>
-          </a:p>
-        </p:txBody>
-      </p:sp>
-      <p:sp>
-        <p:nvSpPr>
-          <p:cNvPr id="3" name="文本占位符 2">
-            <a:extLst>
-              <a:ext uri="{FF2B5EF4-FFF2-40B4-BE49-F238E27FC236}">
-                <a16:creationId xmlns:a16="http://schemas.microsoft.com/office/drawing/2014/main" id="{20C89EBB-AC41-44B7-8981-D1A0C5FA3712}"/>
-              </a:ext>
-            </a:extLst>
-          </p:cNvPr>
+            <a:endParaRPr lang="en-US" dirty="0"/>
+          </a:p>
+        </p:txBody>
+      </p:sp>
+      <p:sp>
+        <p:nvSpPr>
+          <p:cNvPr id="3" name="Text Placeholder 2"/>
           <p:cNvSpPr>
             <a:spLocks noGrp="1"/>
           </p:cNvSpPr>
@@ -2814,8 +2484,8 @@
         </p:nvSpPr>
         <p:spPr>
           <a:xfrm>
-            <a:off x="838200" y="1825625"/>
-            <a:ext cx="10515600" cy="4351338"/>
+            <a:off x="742484" y="1533187"/>
+            <a:ext cx="9314796" cy="3654318"/>
           </a:xfrm>
           <a:prstGeom prst="rect">
             <a:avLst/>
@@ -2860,18 +2530,13 @@
               <a:rPr lang="zh-CN" altLang="en-US"/>
               <a:t>五级</a:t>
             </a:r>
-          </a:p>
-        </p:txBody>
-      </p:sp>
-      <p:sp>
-        <p:nvSpPr>
-          <p:cNvPr id="4" name="日期占位符 3">
-            <a:extLst>
-              <a:ext uri="{FF2B5EF4-FFF2-40B4-BE49-F238E27FC236}">
-                <a16:creationId xmlns:a16="http://schemas.microsoft.com/office/drawing/2014/main" id="{5B05E5E4-5E18-49EA-93E4-8D569E63B620}"/>
-              </a:ext>
-            </a:extLst>
-          </p:cNvPr>
+            <a:endParaRPr lang="en-US" dirty="0"/>
+          </a:p>
+        </p:txBody>
+      </p:sp>
+      <p:sp>
+        <p:nvSpPr>
+          <p:cNvPr id="4" name="Date Placeholder 3"/>
           <p:cNvSpPr>
             <a:spLocks noGrp="1"/>
           </p:cNvSpPr>
@@ -2881,8 +2546,8 @@
         </p:nvSpPr>
         <p:spPr>
           <a:xfrm>
-            <a:off x="838200" y="6356350"/>
-            <a:ext cx="2743200" cy="365125"/>
+            <a:off x="742484" y="5338158"/>
+            <a:ext cx="2429947" cy="306637"/>
           </a:xfrm>
           <a:prstGeom prst="rect">
             <a:avLst/>
@@ -2892,7 +2557,7 @@
           <a:bodyPr vert="horz" lIns="91440" tIns="45720" rIns="91440" bIns="45720" rtlCol="0" anchor="ctr"/>
           <a:lstStyle>
             <a:lvl1pPr algn="l">
-              <a:defRPr sz="1200">
+              <a:defRPr sz="1008">
                 <a:solidFill>
                   <a:schemeClr val="tx1">
                     <a:tint val="75000"/>
@@ -2904,7 +2569,7 @@
           <a:p>
             <a:fld id="{27C3EAE8-228B-4062-A371-1299B1E3ADF5}" type="datetimeFigureOut">
               <a:rPr lang="zh-CN" altLang="en-US" smtClean="0"/>
-              <a:t>2022/11/27</a:t>
+              <a:t>2022/11/28</a:t>
             </a:fld>
             <a:endParaRPr lang="zh-CN" altLang="en-US"/>
           </a:p>
@@ -2912,13 +2577,7 @@
       </p:sp>
       <p:sp>
         <p:nvSpPr>
-          <p:cNvPr id="5" name="页脚占位符 4">
-            <a:extLst>
-              <a:ext uri="{FF2B5EF4-FFF2-40B4-BE49-F238E27FC236}">
-                <a16:creationId xmlns:a16="http://schemas.microsoft.com/office/drawing/2014/main" id="{3D7D2F70-8B7F-4E3D-BDB9-BF2489635C73}"/>
-              </a:ext>
-            </a:extLst>
-          </p:cNvPr>
+          <p:cNvPr id="5" name="Footer Placeholder 4"/>
           <p:cNvSpPr>
             <a:spLocks noGrp="1"/>
           </p:cNvSpPr>
@@ -2928,8 +2587,8 @@
         </p:nvSpPr>
         <p:spPr>
           <a:xfrm>
-            <a:off x="4038600" y="6356350"/>
-            <a:ext cx="4114800" cy="365125"/>
+            <a:off x="3577422" y="5338158"/>
+            <a:ext cx="3644920" cy="306637"/>
           </a:xfrm>
           <a:prstGeom prst="rect">
             <a:avLst/>
@@ -2939,7 +2598,7 @@
           <a:bodyPr vert="horz" lIns="91440" tIns="45720" rIns="91440" bIns="45720" rtlCol="0" anchor="ctr"/>
           <a:lstStyle>
             <a:lvl1pPr algn="ctr">
-              <a:defRPr sz="1200">
+              <a:defRPr sz="1008">
                 <a:solidFill>
                   <a:schemeClr val="tx1">
                     <a:tint val="75000"/>
@@ -2955,13 +2614,7 @@
       </p:sp>
       <p:sp>
         <p:nvSpPr>
-          <p:cNvPr id="6" name="灯片编号占位符 5">
-            <a:extLst>
-              <a:ext uri="{FF2B5EF4-FFF2-40B4-BE49-F238E27FC236}">
-                <a16:creationId xmlns:a16="http://schemas.microsoft.com/office/drawing/2014/main" id="{6F6084DE-47F0-4BB8-9CF6-9982281126C5}"/>
-              </a:ext>
-            </a:extLst>
-          </p:cNvPr>
+          <p:cNvPr id="6" name="Slide Number Placeholder 5"/>
           <p:cNvSpPr>
             <a:spLocks noGrp="1"/>
           </p:cNvSpPr>
@@ -2971,8 +2624,8 @@
         </p:nvSpPr>
         <p:spPr>
           <a:xfrm>
-            <a:off x="8610600" y="6356350"/>
-            <a:ext cx="2743200" cy="365125"/>
+            <a:off x="7627332" y="5338158"/>
+            <a:ext cx="2429947" cy="306637"/>
           </a:xfrm>
           <a:prstGeom prst="rect">
             <a:avLst/>
@@ -2982,7 +2635,7 @@
           <a:bodyPr vert="horz" lIns="91440" tIns="45720" rIns="91440" bIns="45720" rtlCol="0" anchor="ctr"/>
           <a:lstStyle>
             <a:lvl1pPr algn="r">
-              <a:defRPr sz="1200">
+              <a:defRPr sz="1008">
                 <a:solidFill>
                   <a:schemeClr val="tx1">
                     <a:tint val="75000"/>
@@ -3003,27 +2656,27 @@
     </p:spTree>
     <p:extLst>
       <p:ext uri="{BB962C8B-B14F-4D97-AF65-F5344CB8AC3E}">
-        <p14:creationId xmlns:p14="http://schemas.microsoft.com/office/powerpoint/2010/main" val="2242761229"/>
+        <p14:creationId xmlns:p14="http://schemas.microsoft.com/office/powerpoint/2010/main" val="2272664567"/>
       </p:ext>
     </p:extLst>
   </p:cSld>
   <p:clrMap bg1="lt1" tx1="dk1" bg2="lt2" tx2="dk2" accent1="accent1" accent2="accent2" accent3="accent3" accent4="accent4" accent5="accent5" accent6="accent6" hlink="hlink" folHlink="folHlink"/>
   <p:sldLayoutIdLst>
-    <p:sldLayoutId id="2147483649" r:id="rId1"/>
-    <p:sldLayoutId id="2147483650" r:id="rId2"/>
-    <p:sldLayoutId id="2147483651" r:id="rId3"/>
-    <p:sldLayoutId id="2147483652" r:id="rId4"/>
-    <p:sldLayoutId id="2147483653" r:id="rId5"/>
-    <p:sldLayoutId id="2147483654" r:id="rId6"/>
-    <p:sldLayoutId id="2147483655" r:id="rId7"/>
-    <p:sldLayoutId id="2147483656" r:id="rId8"/>
-    <p:sldLayoutId id="2147483657" r:id="rId9"/>
-    <p:sldLayoutId id="2147483658" r:id="rId10"/>
-    <p:sldLayoutId id="2147483659" r:id="rId11"/>
+    <p:sldLayoutId id="2147483685" r:id="rId1"/>
+    <p:sldLayoutId id="2147483686" r:id="rId2"/>
+    <p:sldLayoutId id="2147483687" r:id="rId3"/>
+    <p:sldLayoutId id="2147483688" r:id="rId4"/>
+    <p:sldLayoutId id="2147483689" r:id="rId5"/>
+    <p:sldLayoutId id="2147483690" r:id="rId6"/>
+    <p:sldLayoutId id="2147483691" r:id="rId7"/>
+    <p:sldLayoutId id="2147483692" r:id="rId8"/>
+    <p:sldLayoutId id="2147483693" r:id="rId9"/>
+    <p:sldLayoutId id="2147483694" r:id="rId10"/>
+    <p:sldLayoutId id="2147483695" r:id="rId11"/>
   </p:sldLayoutIdLst>
   <p:txStyles>
     <p:titleStyle>
-      <a:lvl1pPr algn="l" defTabSz="914400" rtl="0" eaLnBrk="1" latinLnBrk="0" hangingPunct="1">
+      <a:lvl1pPr algn="l" defTabSz="767913" rtl="0" eaLnBrk="1" latinLnBrk="0" hangingPunct="1">
         <a:lnSpc>
           <a:spcPct val="90000"/>
         </a:lnSpc>
@@ -3031,7 +2684,7 @@
           <a:spcPct val="0"/>
         </a:spcBef>
         <a:buNone/>
-        <a:defRPr sz="4400" kern="1200">
+        <a:defRPr sz="3695" kern="1200">
           <a:solidFill>
             <a:schemeClr val="tx1"/>
           </a:solidFill>
@@ -3042,16 +2695,16 @@
       </a:lvl1pPr>
     </p:titleStyle>
     <p:bodyStyle>
-      <a:lvl1pPr marL="228600" indent="-228600" algn="l" defTabSz="914400" rtl="0" eaLnBrk="1" latinLnBrk="0" hangingPunct="1">
+      <a:lvl1pPr marL="191978" indent="-191978" algn="l" defTabSz="767913" rtl="0" eaLnBrk="1" latinLnBrk="0" hangingPunct="1">
         <a:lnSpc>
           <a:spcPct val="90000"/>
         </a:lnSpc>
         <a:spcBef>
-          <a:spcPts val="1000"/>
+          <a:spcPts val="840"/>
         </a:spcBef>
         <a:buFont typeface="Arial" panose="020B0604020202020204" pitchFamily="34" charset="0"/>
         <a:buChar char="•"/>
-        <a:defRPr sz="2800" kern="1200">
+        <a:defRPr sz="2351" kern="1200">
           <a:solidFill>
             <a:schemeClr val="tx1"/>
           </a:solidFill>
@@ -3060,16 +2713,16 @@
           <a:cs typeface="+mn-cs"/>
         </a:defRPr>
       </a:lvl1pPr>
-      <a:lvl2pPr marL="685800" indent="-228600" algn="l" defTabSz="914400" rtl="0" eaLnBrk="1" latinLnBrk="0" hangingPunct="1">
+      <a:lvl2pPr marL="575935" indent="-191978" algn="l" defTabSz="767913" rtl="0" eaLnBrk="1" latinLnBrk="0" hangingPunct="1">
         <a:lnSpc>
           <a:spcPct val="90000"/>
         </a:lnSpc>
         <a:spcBef>
-          <a:spcPts val="500"/>
+          <a:spcPts val="420"/>
         </a:spcBef>
         <a:buFont typeface="Arial" panose="020B0604020202020204" pitchFamily="34" charset="0"/>
         <a:buChar char="•"/>
-        <a:defRPr sz="2400" kern="1200">
+        <a:defRPr sz="2016" kern="1200">
           <a:solidFill>
             <a:schemeClr val="tx1"/>
           </a:solidFill>
@@ -3078,16 +2731,16 @@
           <a:cs typeface="+mn-cs"/>
         </a:defRPr>
       </a:lvl2pPr>
-      <a:lvl3pPr marL="1143000" indent="-228600" algn="l" defTabSz="914400" rtl="0" eaLnBrk="1" latinLnBrk="0" hangingPunct="1">
+      <a:lvl3pPr marL="959891" indent="-191978" algn="l" defTabSz="767913" rtl="0" eaLnBrk="1" latinLnBrk="0" hangingPunct="1">
         <a:lnSpc>
           <a:spcPct val="90000"/>
         </a:lnSpc>
         <a:spcBef>
-          <a:spcPts val="500"/>
+          <a:spcPts val="420"/>
         </a:spcBef>
         <a:buFont typeface="Arial" panose="020B0604020202020204" pitchFamily="34" charset="0"/>
         <a:buChar char="•"/>
-        <a:defRPr sz="2000" kern="1200">
+        <a:defRPr sz="1680" kern="1200">
           <a:solidFill>
             <a:schemeClr val="tx1"/>
           </a:solidFill>
@@ -3096,16 +2749,16 @@
           <a:cs typeface="+mn-cs"/>
         </a:defRPr>
       </a:lvl3pPr>
-      <a:lvl4pPr marL="1600200" indent="-228600" algn="l" defTabSz="914400" rtl="0" eaLnBrk="1" latinLnBrk="0" hangingPunct="1">
+      <a:lvl4pPr marL="1343848" indent="-191978" algn="l" defTabSz="767913" rtl="0" eaLnBrk="1" latinLnBrk="0" hangingPunct="1">
         <a:lnSpc>
           <a:spcPct val="90000"/>
         </a:lnSpc>
         <a:spcBef>
-          <a:spcPts val="500"/>
+          <a:spcPts val="420"/>
         </a:spcBef>
         <a:buFont typeface="Arial" panose="020B0604020202020204" pitchFamily="34" charset="0"/>
         <a:buChar char="•"/>
-        <a:defRPr sz="1800" kern="1200">
+        <a:defRPr sz="1512" kern="1200">
           <a:solidFill>
             <a:schemeClr val="tx1"/>
           </a:solidFill>
@@ -3114,16 +2767,16 @@
           <a:cs typeface="+mn-cs"/>
         </a:defRPr>
       </a:lvl4pPr>
-      <a:lvl5pPr marL="2057400" indent="-228600" algn="l" defTabSz="914400" rtl="0" eaLnBrk="1" latinLnBrk="0" hangingPunct="1">
+      <a:lvl5pPr marL="1727805" indent="-191978" algn="l" defTabSz="767913" rtl="0" eaLnBrk="1" latinLnBrk="0" hangingPunct="1">
         <a:lnSpc>
           <a:spcPct val="90000"/>
         </a:lnSpc>
         <a:spcBef>
-          <a:spcPts val="500"/>
+          <a:spcPts val="420"/>
         </a:spcBef>
         <a:buFont typeface="Arial" panose="020B0604020202020204" pitchFamily="34" charset="0"/>
         <a:buChar char="•"/>
-        <a:defRPr sz="1800" kern="1200">
+        <a:defRPr sz="1512" kern="1200">
           <a:solidFill>
             <a:schemeClr val="tx1"/>
           </a:solidFill>
@@ -3132,16 +2785,16 @@
           <a:cs typeface="+mn-cs"/>
         </a:defRPr>
       </a:lvl5pPr>
-      <a:lvl6pPr marL="2514600" indent="-228600" algn="l" defTabSz="914400" rtl="0" eaLnBrk="1" latinLnBrk="0" hangingPunct="1">
+      <a:lvl6pPr marL="2111761" indent="-191978" algn="l" defTabSz="767913" rtl="0" eaLnBrk="1" latinLnBrk="0" hangingPunct="1">
         <a:lnSpc>
           <a:spcPct val="90000"/>
         </a:lnSpc>
         <a:spcBef>
-          <a:spcPts val="500"/>
+          <a:spcPts val="420"/>
         </a:spcBef>
         <a:buFont typeface="Arial" panose="020B0604020202020204" pitchFamily="34" charset="0"/>
         <a:buChar char="•"/>
-        <a:defRPr sz="1800" kern="1200">
+        <a:defRPr sz="1512" kern="1200">
           <a:solidFill>
             <a:schemeClr val="tx1"/>
           </a:solidFill>
@@ -3150,16 +2803,16 @@
           <a:cs typeface="+mn-cs"/>
         </a:defRPr>
       </a:lvl6pPr>
-      <a:lvl7pPr marL="2971800" indent="-228600" algn="l" defTabSz="914400" rtl="0" eaLnBrk="1" latinLnBrk="0" hangingPunct="1">
+      <a:lvl7pPr marL="2495718" indent="-191978" algn="l" defTabSz="767913" rtl="0" eaLnBrk="1" latinLnBrk="0" hangingPunct="1">
         <a:lnSpc>
           <a:spcPct val="90000"/>
         </a:lnSpc>
         <a:spcBef>
-          <a:spcPts val="500"/>
+          <a:spcPts val="420"/>
         </a:spcBef>
         <a:buFont typeface="Arial" panose="020B0604020202020204" pitchFamily="34" charset="0"/>
         <a:buChar char="•"/>
-        <a:defRPr sz="1800" kern="1200">
+        <a:defRPr sz="1512" kern="1200">
           <a:solidFill>
             <a:schemeClr val="tx1"/>
           </a:solidFill>
@@ -3168,16 +2821,16 @@
           <a:cs typeface="+mn-cs"/>
         </a:defRPr>
       </a:lvl7pPr>
-      <a:lvl8pPr marL="3429000" indent="-228600" algn="l" defTabSz="914400" rtl="0" eaLnBrk="1" latinLnBrk="0" hangingPunct="1">
+      <a:lvl8pPr marL="2879674" indent="-191978" algn="l" defTabSz="767913" rtl="0" eaLnBrk="1" latinLnBrk="0" hangingPunct="1">
         <a:lnSpc>
           <a:spcPct val="90000"/>
         </a:lnSpc>
         <a:spcBef>
-          <a:spcPts val="500"/>
+          <a:spcPts val="420"/>
         </a:spcBef>
         <a:buFont typeface="Arial" panose="020B0604020202020204" pitchFamily="34" charset="0"/>
         <a:buChar char="•"/>
-        <a:defRPr sz="1800" kern="1200">
+        <a:defRPr sz="1512" kern="1200">
           <a:solidFill>
             <a:schemeClr val="tx1"/>
           </a:solidFill>
@@ -3186,16 +2839,16 @@
           <a:cs typeface="+mn-cs"/>
         </a:defRPr>
       </a:lvl8pPr>
-      <a:lvl9pPr marL="3886200" indent="-228600" algn="l" defTabSz="914400" rtl="0" eaLnBrk="1" latinLnBrk="0" hangingPunct="1">
+      <a:lvl9pPr marL="3263631" indent="-191978" algn="l" defTabSz="767913" rtl="0" eaLnBrk="1" latinLnBrk="0" hangingPunct="1">
         <a:lnSpc>
           <a:spcPct val="90000"/>
         </a:lnSpc>
         <a:spcBef>
-          <a:spcPts val="500"/>
+          <a:spcPts val="420"/>
         </a:spcBef>
         <a:buFont typeface="Arial" panose="020B0604020202020204" pitchFamily="34" charset="0"/>
         <a:buChar char="•"/>
-        <a:defRPr sz="1800" kern="1200">
+        <a:defRPr sz="1512" kern="1200">
           <a:solidFill>
             <a:schemeClr val="tx1"/>
           </a:solidFill>
@@ -3207,10 +2860,10 @@
     </p:bodyStyle>
     <p:otherStyle>
       <a:defPPr>
-        <a:defRPr lang="zh-CN"/>
+        <a:defRPr lang="en-US"/>
       </a:defPPr>
-      <a:lvl1pPr marL="0" algn="l" defTabSz="914400" rtl="0" eaLnBrk="1" latinLnBrk="0" hangingPunct="1">
-        <a:defRPr sz="1800" kern="1200">
+      <a:lvl1pPr marL="0" algn="l" defTabSz="767913" rtl="0" eaLnBrk="1" latinLnBrk="0" hangingPunct="1">
+        <a:defRPr sz="1512" kern="1200">
           <a:solidFill>
             <a:schemeClr val="tx1"/>
           </a:solidFill>
@@ -3219,8 +2872,8 @@
           <a:cs typeface="+mn-cs"/>
         </a:defRPr>
       </a:lvl1pPr>
-      <a:lvl2pPr marL="457200" algn="l" defTabSz="914400" rtl="0" eaLnBrk="1" latinLnBrk="0" hangingPunct="1">
-        <a:defRPr sz="1800" kern="1200">
+      <a:lvl2pPr marL="383957" algn="l" defTabSz="767913" rtl="0" eaLnBrk="1" latinLnBrk="0" hangingPunct="1">
+        <a:defRPr sz="1512" kern="1200">
           <a:solidFill>
             <a:schemeClr val="tx1"/>
           </a:solidFill>
@@ -3229,8 +2882,8 @@
           <a:cs typeface="+mn-cs"/>
         </a:defRPr>
       </a:lvl2pPr>
-      <a:lvl3pPr marL="914400" algn="l" defTabSz="914400" rtl="0" eaLnBrk="1" latinLnBrk="0" hangingPunct="1">
-        <a:defRPr sz="1800" kern="1200">
+      <a:lvl3pPr marL="767913" algn="l" defTabSz="767913" rtl="0" eaLnBrk="1" latinLnBrk="0" hangingPunct="1">
+        <a:defRPr sz="1512" kern="1200">
           <a:solidFill>
             <a:schemeClr val="tx1"/>
           </a:solidFill>
@@ -3239,8 +2892,8 @@
           <a:cs typeface="+mn-cs"/>
         </a:defRPr>
       </a:lvl3pPr>
-      <a:lvl4pPr marL="1371600" algn="l" defTabSz="914400" rtl="0" eaLnBrk="1" latinLnBrk="0" hangingPunct="1">
-        <a:defRPr sz="1800" kern="1200">
+      <a:lvl4pPr marL="1151870" algn="l" defTabSz="767913" rtl="0" eaLnBrk="1" latinLnBrk="0" hangingPunct="1">
+        <a:defRPr sz="1512" kern="1200">
           <a:solidFill>
             <a:schemeClr val="tx1"/>
           </a:solidFill>
@@ -3249,8 +2902,8 @@
           <a:cs typeface="+mn-cs"/>
         </a:defRPr>
       </a:lvl4pPr>
-      <a:lvl5pPr marL="1828800" algn="l" defTabSz="914400" rtl="0" eaLnBrk="1" latinLnBrk="0" hangingPunct="1">
-        <a:defRPr sz="1800" kern="1200">
+      <a:lvl5pPr marL="1535826" algn="l" defTabSz="767913" rtl="0" eaLnBrk="1" latinLnBrk="0" hangingPunct="1">
+        <a:defRPr sz="1512" kern="1200">
           <a:solidFill>
             <a:schemeClr val="tx1"/>
           </a:solidFill>
@@ -3259,8 +2912,8 @@
           <a:cs typeface="+mn-cs"/>
         </a:defRPr>
       </a:lvl5pPr>
-      <a:lvl6pPr marL="2286000" algn="l" defTabSz="914400" rtl="0" eaLnBrk="1" latinLnBrk="0" hangingPunct="1">
-        <a:defRPr sz="1800" kern="1200">
+      <a:lvl6pPr marL="1919783" algn="l" defTabSz="767913" rtl="0" eaLnBrk="1" latinLnBrk="0" hangingPunct="1">
+        <a:defRPr sz="1512" kern="1200">
           <a:solidFill>
             <a:schemeClr val="tx1"/>
           </a:solidFill>
@@ -3269,8 +2922,8 @@
           <a:cs typeface="+mn-cs"/>
         </a:defRPr>
       </a:lvl6pPr>
-      <a:lvl7pPr marL="2743200" algn="l" defTabSz="914400" rtl="0" eaLnBrk="1" latinLnBrk="0" hangingPunct="1">
-        <a:defRPr sz="1800" kern="1200">
+      <a:lvl7pPr marL="2303739" algn="l" defTabSz="767913" rtl="0" eaLnBrk="1" latinLnBrk="0" hangingPunct="1">
+        <a:defRPr sz="1512" kern="1200">
           <a:solidFill>
             <a:schemeClr val="tx1"/>
           </a:solidFill>
@@ -3279,8 +2932,8 @@
           <a:cs typeface="+mn-cs"/>
         </a:defRPr>
       </a:lvl7pPr>
-      <a:lvl8pPr marL="3200400" algn="l" defTabSz="914400" rtl="0" eaLnBrk="1" latinLnBrk="0" hangingPunct="1">
-        <a:defRPr sz="1800" kern="1200">
+      <a:lvl8pPr marL="2687696" algn="l" defTabSz="767913" rtl="0" eaLnBrk="1" latinLnBrk="0" hangingPunct="1">
+        <a:defRPr sz="1512" kern="1200">
           <a:solidFill>
             <a:schemeClr val="tx1"/>
           </a:solidFill>
@@ -3289,8 +2942,8 @@
           <a:cs typeface="+mn-cs"/>
         </a:defRPr>
       </a:lvl8pPr>
-      <a:lvl9pPr marL="3657600" algn="l" defTabSz="914400" rtl="0" eaLnBrk="1" latinLnBrk="0" hangingPunct="1">
-        <a:defRPr sz="1800" kern="1200">
+      <a:lvl9pPr marL="3071652" algn="l" defTabSz="767913" rtl="0" eaLnBrk="1" latinLnBrk="0" hangingPunct="1">
+        <a:defRPr sz="1512" kern="1200">
           <a:solidFill>
             <a:schemeClr val="tx1"/>
           </a:solidFill>
@@ -3323,10 +2976,10 @@
       </p:grpSpPr>
       <p:pic>
         <p:nvPicPr>
-          <p:cNvPr id="5" name="图片 4">
+          <p:cNvPr id="8" name="图片 7">
             <a:extLst>
               <a:ext uri="{FF2B5EF4-FFF2-40B4-BE49-F238E27FC236}">
-                <a16:creationId xmlns:a16="http://schemas.microsoft.com/office/drawing/2014/main" id="{C576710B-757F-48D3-8023-182685CBCA75}"/>
+                <a16:creationId xmlns:a16="http://schemas.microsoft.com/office/drawing/2014/main" id="{482D10CC-FBFE-4671-BBFD-7F172CF701F2}"/>
               </a:ext>
             </a:extLst>
           </p:cNvPr>
@@ -3335,21 +2988,16 @@
           </p:cNvPicPr>
           <p:nvPr/>
         </p:nvPicPr>
-        <p:blipFill rotWithShape="1">
-          <a:blip r:embed="rId2">
-            <a:extLst>
-              <a:ext uri="{28A0092B-C50C-407E-A947-70E740481C1C}">
-                <a14:useLocalDpi xmlns:a14="http://schemas.microsoft.com/office/drawing/2010/main" val="0"/>
-              </a:ext>
-            </a:extLst>
-          </a:blip>
-          <a:srcRect l="15000" t="16530" r="5322" b="20936"/>
-          <a:stretch/>
+        <p:blipFill>
+          <a:blip r:embed="rId2"/>
+          <a:stretch>
+            <a:fillRect/>
+          </a:stretch>
         </p:blipFill>
         <p:spPr>
           <a:xfrm>
-            <a:off x="-2400" y="1337187"/>
-            <a:ext cx="12196800" cy="4468867"/>
+            <a:off x="-119" y="-120501"/>
+            <a:ext cx="10800000" cy="5879951"/>
           </a:xfrm>
           <a:prstGeom prst="rect">
             <a:avLst/>
@@ -3369,10 +3017,437 @@
 </p:sld>
 </file>
 
+<file path=ppt/slides/slide2.xml><?xml version="1.0" encoding="utf-8"?>
+<p:sld xmlns:a="http://schemas.openxmlformats.org/drawingml/2006/main" xmlns:r="http://schemas.openxmlformats.org/officeDocument/2006/relationships" xmlns:p="http://schemas.openxmlformats.org/presentationml/2006/main">
+  <p:cSld>
+    <p:spTree>
+      <p:nvGrpSpPr>
+        <p:cNvPr id="1" name=""/>
+        <p:cNvGrpSpPr/>
+        <p:nvPr/>
+      </p:nvGrpSpPr>
+      <p:grpSpPr>
+        <a:xfrm>
+          <a:off x="0" y="0"/>
+          <a:ext cx="0" cy="0"/>
+          <a:chOff x="0" y="0"/>
+          <a:chExt cx="0" cy="0"/>
+        </a:xfrm>
+      </p:grpSpPr>
+      <p:sp>
+        <p:nvSpPr>
+          <p:cNvPr id="4" name="矩形 3">
+            <a:extLst>
+              <a:ext uri="{FF2B5EF4-FFF2-40B4-BE49-F238E27FC236}">
+                <a16:creationId xmlns:a16="http://schemas.microsoft.com/office/drawing/2014/main" id="{ADA67304-27A2-4150-AD22-74A37730A11A}"/>
+              </a:ext>
+            </a:extLst>
+          </p:cNvPr>
+          <p:cNvSpPr/>
+          <p:nvPr/>
+        </p:nvSpPr>
+        <p:spPr>
+          <a:xfrm>
+            <a:off x="5107003" y="2974476"/>
+            <a:ext cx="1192954" cy="923330"/>
+          </a:xfrm>
+          <a:prstGeom prst="rect">
+            <a:avLst/>
+          </a:prstGeom>
+          <a:noFill/>
+        </p:spPr>
+        <p:txBody>
+          <a:bodyPr wrap="none" lIns="91440" tIns="45720" rIns="91440" bIns="45720">
+            <a:spAutoFit/>
+          </a:bodyPr>
+          <a:lstStyle/>
+          <a:p>
+            <a:pPr algn="ctr"/>
+            <a:r>
+              <a:rPr lang="en-US" altLang="zh-CN" sz="5400" b="0" cap="none" spc="0" dirty="0">
+                <a:ln w="0"/>
+                <a:solidFill>
+                  <a:schemeClr val="tx1"/>
+                </a:solidFill>
+                <a:effectLst>
+                  <a:outerShdw blurRad="38100" dist="19050" dir="2700000" algn="tl" rotWithShape="0">
+                    <a:schemeClr val="dk1">
+                      <a:alpha val="40000"/>
+                    </a:schemeClr>
+                  </a:outerShdw>
+                </a:effectLst>
+                <a:latin typeface="Cera PROModern Medium" pitchFamily="2" charset="0"/>
+              </a:rPr>
+              <a:t>NG</a:t>
+            </a:r>
+            <a:endParaRPr lang="zh-CN" altLang="en-US" sz="5400" b="0" cap="none" spc="0" dirty="0">
+              <a:ln w="0"/>
+              <a:solidFill>
+                <a:schemeClr val="tx1"/>
+              </a:solidFill>
+              <a:effectLst>
+                <a:outerShdw blurRad="38100" dist="19050" dir="2700000" algn="tl" rotWithShape="0">
+                  <a:schemeClr val="dk1">
+                    <a:alpha val="40000"/>
+                  </a:schemeClr>
+                </a:outerShdw>
+              </a:effectLst>
+              <a:latin typeface="Cera PROModern Medium" pitchFamily="2" charset="0"/>
+            </a:endParaRPr>
+          </a:p>
+        </p:txBody>
+      </p:sp>
+      <p:sp>
+        <p:nvSpPr>
+          <p:cNvPr id="8" name="矩形 7">
+            <a:extLst>
+              <a:ext uri="{FF2B5EF4-FFF2-40B4-BE49-F238E27FC236}">
+                <a16:creationId xmlns:a16="http://schemas.microsoft.com/office/drawing/2014/main" id="{04D6C593-04CD-4C5C-BDA5-FBA16851E604}"/>
+              </a:ext>
+            </a:extLst>
+          </p:cNvPr>
+          <p:cNvSpPr/>
+          <p:nvPr/>
+        </p:nvSpPr>
+        <p:spPr>
+          <a:xfrm flipV="1">
+            <a:off x="1076794" y="1599502"/>
+            <a:ext cx="1717137" cy="3170099"/>
+          </a:xfrm>
+          <a:prstGeom prst="rect">
+            <a:avLst/>
+          </a:prstGeom>
+          <a:noFill/>
+        </p:spPr>
+        <p:txBody>
+          <a:bodyPr wrap="none" lIns="91440" tIns="45720" rIns="91440" bIns="45720">
+            <a:spAutoFit/>
+          </a:bodyPr>
+          <a:lstStyle/>
+          <a:p>
+            <a:pPr algn="ctr"/>
+            <a:r>
+              <a:rPr lang="en-US" altLang="zh-CN" sz="20000" cap="none" spc="0" dirty="0">
+                <a:ln w="0"/>
+                <a:solidFill>
+                  <a:schemeClr val="tx1"/>
+                </a:solidFill>
+                <a:effectLst>
+                  <a:outerShdw blurRad="38100" dist="19050" dir="2700000" algn="tl" rotWithShape="0">
+                    <a:schemeClr val="dk1">
+                      <a:alpha val="40000"/>
+                    </a:schemeClr>
+                  </a:outerShdw>
+                </a:effectLst>
+                <a:latin typeface="Bahnschrift SemiBold" panose="020B0502040204020203" pitchFamily="34" charset="0"/>
+              </a:rPr>
+              <a:t>E</a:t>
+            </a:r>
+            <a:endParaRPr lang="zh-CN" altLang="en-US" sz="20000" cap="none" spc="0" dirty="0">
+              <a:ln w="0"/>
+              <a:solidFill>
+                <a:schemeClr val="tx1"/>
+              </a:solidFill>
+              <a:effectLst>
+                <a:outerShdw blurRad="38100" dist="19050" dir="2700000" algn="tl" rotWithShape="0">
+                  <a:schemeClr val="dk1">
+                    <a:alpha val="40000"/>
+                  </a:schemeClr>
+                </a:outerShdw>
+              </a:effectLst>
+              <a:latin typeface="Bahnschrift SemiBold" panose="020B0502040204020203" pitchFamily="34" charset="0"/>
+            </a:endParaRPr>
+          </a:p>
+        </p:txBody>
+      </p:sp>
+      <p:sp>
+        <p:nvSpPr>
+          <p:cNvPr id="9" name="矩形 8">
+            <a:extLst>
+              <a:ext uri="{FF2B5EF4-FFF2-40B4-BE49-F238E27FC236}">
+                <a16:creationId xmlns:a16="http://schemas.microsoft.com/office/drawing/2014/main" id="{CB58487E-8B1F-49A9-A1DE-2C8B3363A4F6}"/>
+              </a:ext>
+            </a:extLst>
+          </p:cNvPr>
+          <p:cNvSpPr/>
+          <p:nvPr/>
+        </p:nvSpPr>
+        <p:spPr>
+          <a:xfrm>
+            <a:off x="4983480" y="1501140"/>
+            <a:ext cx="1440000" cy="360000"/>
+          </a:xfrm>
+          <a:prstGeom prst="rect">
+            <a:avLst/>
+          </a:prstGeom>
+          <a:solidFill>
+            <a:schemeClr val="tx1"/>
+          </a:solidFill>
+          <a:ln>
+            <a:noFill/>
+          </a:ln>
+        </p:spPr>
+        <p:style>
+          <a:lnRef idx="2">
+            <a:schemeClr val="accent1">
+              <a:shade val="50000"/>
+            </a:schemeClr>
+          </a:lnRef>
+          <a:fillRef idx="1">
+            <a:schemeClr val="accent1"/>
+          </a:fillRef>
+          <a:effectRef idx="0">
+            <a:schemeClr val="accent1"/>
+          </a:effectRef>
+          <a:fontRef idx="minor">
+            <a:schemeClr val="lt1"/>
+          </a:fontRef>
+        </p:style>
+        <p:txBody>
+          <a:bodyPr rtlCol="0" anchor="ctr"/>
+          <a:lstStyle/>
+          <a:p>
+            <a:pPr algn="ctr"/>
+            <a:endParaRPr lang="zh-CN" altLang="en-US"/>
+          </a:p>
+        </p:txBody>
+      </p:sp>
+      <p:sp>
+        <p:nvSpPr>
+          <p:cNvPr id="10" name="矩形 9">
+            <a:extLst>
+              <a:ext uri="{FF2B5EF4-FFF2-40B4-BE49-F238E27FC236}">
+                <a16:creationId xmlns:a16="http://schemas.microsoft.com/office/drawing/2014/main" id="{56332770-E2A7-44E3-B64C-0314C991DEAB}"/>
+              </a:ext>
+            </a:extLst>
+          </p:cNvPr>
+          <p:cNvSpPr/>
+          <p:nvPr/>
+        </p:nvSpPr>
+        <p:spPr>
+          <a:xfrm rot="16200000">
+            <a:off x="5253480" y="2671141"/>
+            <a:ext cx="2700000" cy="360000"/>
+          </a:xfrm>
+          <a:prstGeom prst="rect">
+            <a:avLst/>
+          </a:prstGeom>
+          <a:solidFill>
+            <a:schemeClr val="tx1"/>
+          </a:solidFill>
+          <a:ln>
+            <a:noFill/>
+          </a:ln>
+        </p:spPr>
+        <p:style>
+          <a:lnRef idx="2">
+            <a:schemeClr val="accent1">
+              <a:shade val="50000"/>
+            </a:schemeClr>
+          </a:lnRef>
+          <a:fillRef idx="1">
+            <a:schemeClr val="accent1"/>
+          </a:fillRef>
+          <a:effectRef idx="0">
+            <a:schemeClr val="accent1"/>
+          </a:effectRef>
+          <a:fontRef idx="minor">
+            <a:schemeClr val="lt1"/>
+          </a:fontRef>
+        </p:style>
+        <p:txBody>
+          <a:bodyPr rtlCol="0" anchor="ctr"/>
+          <a:lstStyle/>
+          <a:p>
+            <a:pPr algn="ctr"/>
+            <a:endParaRPr lang="zh-CN" altLang="en-US"/>
+          </a:p>
+        </p:txBody>
+      </p:sp>
+      <p:sp>
+        <p:nvSpPr>
+          <p:cNvPr id="11" name="矩形 10">
+            <a:extLst>
+              <a:ext uri="{FF2B5EF4-FFF2-40B4-BE49-F238E27FC236}">
+                <a16:creationId xmlns:a16="http://schemas.microsoft.com/office/drawing/2014/main" id="{288DBC1D-190C-446C-9ADE-7101795CE8E0}"/>
+              </a:ext>
+            </a:extLst>
+          </p:cNvPr>
+          <p:cNvSpPr/>
+          <p:nvPr/>
+        </p:nvSpPr>
+        <p:spPr>
+          <a:xfrm>
+            <a:off x="5343480" y="2671140"/>
+            <a:ext cx="1440000" cy="360000"/>
+          </a:xfrm>
+          <a:prstGeom prst="rect">
+            <a:avLst/>
+          </a:prstGeom>
+          <a:solidFill>
+            <a:schemeClr val="tx1"/>
+          </a:solidFill>
+          <a:ln>
+            <a:noFill/>
+          </a:ln>
+        </p:spPr>
+        <p:style>
+          <a:lnRef idx="2">
+            <a:schemeClr val="accent1">
+              <a:shade val="50000"/>
+            </a:schemeClr>
+          </a:lnRef>
+          <a:fillRef idx="1">
+            <a:schemeClr val="accent1"/>
+          </a:fillRef>
+          <a:effectRef idx="0">
+            <a:schemeClr val="accent1"/>
+          </a:effectRef>
+          <a:fontRef idx="minor">
+            <a:schemeClr val="lt1"/>
+          </a:fontRef>
+        </p:style>
+        <p:txBody>
+          <a:bodyPr rtlCol="0" anchor="ctr"/>
+          <a:lstStyle/>
+          <a:p>
+            <a:pPr algn="ctr"/>
+            <a:endParaRPr lang="zh-CN" altLang="en-US"/>
+          </a:p>
+        </p:txBody>
+      </p:sp>
+      <p:sp>
+        <p:nvSpPr>
+          <p:cNvPr id="12" name="矩形 11">
+            <a:extLst>
+              <a:ext uri="{FF2B5EF4-FFF2-40B4-BE49-F238E27FC236}">
+                <a16:creationId xmlns:a16="http://schemas.microsoft.com/office/drawing/2014/main" id="{B1710D32-54D3-4990-8A95-54A6C6263AE0}"/>
+              </a:ext>
+            </a:extLst>
+          </p:cNvPr>
+          <p:cNvSpPr/>
+          <p:nvPr/>
+        </p:nvSpPr>
+        <p:spPr>
+          <a:xfrm>
+            <a:off x="4983480" y="3841141"/>
+            <a:ext cx="1440000" cy="360000"/>
+          </a:xfrm>
+          <a:prstGeom prst="rect">
+            <a:avLst/>
+          </a:prstGeom>
+          <a:solidFill>
+            <a:schemeClr val="tx1"/>
+          </a:solidFill>
+          <a:ln>
+            <a:noFill/>
+          </a:ln>
+        </p:spPr>
+        <p:style>
+          <a:lnRef idx="2">
+            <a:schemeClr val="accent1">
+              <a:shade val="50000"/>
+            </a:schemeClr>
+          </a:lnRef>
+          <a:fillRef idx="1">
+            <a:schemeClr val="accent1"/>
+          </a:fillRef>
+          <a:effectRef idx="0">
+            <a:schemeClr val="accent1"/>
+          </a:effectRef>
+          <a:fontRef idx="minor">
+            <a:schemeClr val="lt1"/>
+          </a:fontRef>
+        </p:style>
+        <p:txBody>
+          <a:bodyPr rtlCol="0" anchor="ctr"/>
+          <a:lstStyle/>
+          <a:p>
+            <a:pPr algn="ctr"/>
+            <a:endParaRPr lang="zh-CN" altLang="en-US"/>
+          </a:p>
+        </p:txBody>
+      </p:sp>
+      <p:sp>
+        <p:nvSpPr>
+          <p:cNvPr id="15" name="矩形 14">
+            <a:extLst>
+              <a:ext uri="{FF2B5EF4-FFF2-40B4-BE49-F238E27FC236}">
+                <a16:creationId xmlns:a16="http://schemas.microsoft.com/office/drawing/2014/main" id="{B596F534-1DE9-4889-8438-C5108F0E95C2}"/>
+              </a:ext>
+            </a:extLst>
+          </p:cNvPr>
+          <p:cNvSpPr/>
+          <p:nvPr/>
+        </p:nvSpPr>
+        <p:spPr>
+          <a:xfrm>
+            <a:off x="5161505" y="1804475"/>
+            <a:ext cx="1083951" cy="923330"/>
+          </a:xfrm>
+          <a:prstGeom prst="rect">
+            <a:avLst/>
+          </a:prstGeom>
+          <a:noFill/>
+        </p:spPr>
+        <p:txBody>
+          <a:bodyPr wrap="none" lIns="91440" tIns="45720" rIns="91440" bIns="45720">
+            <a:spAutoFit/>
+          </a:bodyPr>
+          <a:lstStyle/>
+          <a:p>
+            <a:pPr algn="ctr"/>
+            <a:r>
+              <a:rPr lang="en-US" altLang="zh-CN" sz="5400" b="0" cap="none" spc="0" dirty="0">
+                <a:ln w="0"/>
+                <a:solidFill>
+                  <a:schemeClr val="tx1"/>
+                </a:solidFill>
+                <a:effectLst>
+                  <a:outerShdw blurRad="38100" dist="19050" dir="2700000" algn="tl" rotWithShape="0">
+                    <a:schemeClr val="dk1">
+                      <a:alpha val="40000"/>
+                    </a:schemeClr>
+                  </a:outerShdw>
+                </a:effectLst>
+                <a:latin typeface="Cera PROModern Medium" pitchFamily="2" charset="0"/>
+              </a:rPr>
+              <a:t>ZH</a:t>
+            </a:r>
+            <a:endParaRPr lang="zh-CN" altLang="en-US" sz="5400" b="0" cap="none" spc="0" dirty="0">
+              <a:ln w="0"/>
+              <a:solidFill>
+                <a:schemeClr val="tx1"/>
+              </a:solidFill>
+              <a:effectLst>
+                <a:outerShdw blurRad="38100" dist="19050" dir="2700000" algn="tl" rotWithShape="0">
+                  <a:schemeClr val="dk1">
+                    <a:alpha val="40000"/>
+                  </a:schemeClr>
+                </a:outerShdw>
+              </a:effectLst>
+              <a:latin typeface="Cera PROModern Medium" pitchFamily="2" charset="0"/>
+            </a:endParaRPr>
+          </a:p>
+        </p:txBody>
+      </p:sp>
+    </p:spTree>
+    <p:extLst>
+      <p:ext uri="{BB962C8B-B14F-4D97-AF65-F5344CB8AC3E}">
+        <p14:creationId xmlns:p14="http://schemas.microsoft.com/office/powerpoint/2010/main" val="1509279051"/>
+      </p:ext>
+    </p:extLst>
+  </p:cSld>
+  <p:clrMapOvr>
+    <a:masterClrMapping/>
+  </p:clrMapOvr>
+</p:sld>
+</file>
+
 <file path=ppt/theme/theme1.xml><?xml version="1.0" encoding="utf-8"?>
 <a:theme xmlns:a="http://schemas.openxmlformats.org/drawingml/2006/main" name="Office 主题​​">
   <a:themeElements>
-    <a:clrScheme name="Office">
+    <a:clrScheme name="Office 主题​​">
       <a:dk1>
         <a:sysClr val="windowText" lastClr="000000"/>
       </a:dk1>
@@ -3410,9 +3485,9 @@
         <a:srgbClr val="954F72"/>
       </a:folHlink>
     </a:clrScheme>
-    <a:fontScheme name="Office">
+    <a:fontScheme name="Office 主题​​">
       <a:majorFont>
-        <a:latin typeface="等线 Light" panose="020F0302020204030204"/>
+        <a:latin typeface="Calibri Light" panose="020F0302020204030204"/>
         <a:ea typeface=""/>
         <a:cs typeface=""/>
         <a:font script="Jpan" typeface="游ゴシック Light"/>
@@ -3445,26 +3520,9 @@
         <a:font script="Viet" typeface="Times New Roman"/>
         <a:font script="Uigh" typeface="Microsoft Uighur"/>
         <a:font script="Geor" typeface="Sylfaen"/>
-        <a:font script="Armn" typeface="Arial"/>
-        <a:font script="Bugi" typeface="Leelawadee UI"/>
-        <a:font script="Bopo" typeface="Microsoft JhengHei"/>
-        <a:font script="Java" typeface="Javanese Text"/>
-        <a:font script="Lisu" typeface="Segoe UI"/>
-        <a:font script="Mymr" typeface="Myanmar Text"/>
-        <a:font script="Nkoo" typeface="Ebrima"/>
-        <a:font script="Olck" typeface="Nirmala UI"/>
-        <a:font script="Osma" typeface="Ebrima"/>
-        <a:font script="Phag" typeface="Phagspa"/>
-        <a:font script="Syrn" typeface="Estrangelo Edessa"/>
-        <a:font script="Syrj" typeface="Estrangelo Edessa"/>
-        <a:font script="Syre" typeface="Estrangelo Edessa"/>
-        <a:font script="Sora" typeface="Nirmala UI"/>
-        <a:font script="Tale" typeface="Microsoft Tai Le"/>
-        <a:font script="Talu" typeface="Microsoft New Tai Lue"/>
-        <a:font script="Tfng" typeface="Ebrima"/>
       </a:majorFont>
       <a:minorFont>
-        <a:latin typeface="等线" panose="020F0502020204030204"/>
+        <a:latin typeface="Calibri" panose="020F0502020204030204"/>
         <a:ea typeface=""/>
         <a:cs typeface=""/>
         <a:font script="Jpan" typeface="游ゴシック"/>
@@ -3497,26 +3555,9 @@
         <a:font script="Viet" typeface="Arial"/>
         <a:font script="Uigh" typeface="Microsoft Uighur"/>
         <a:font script="Geor" typeface="Sylfaen"/>
-        <a:font script="Armn" typeface="Arial"/>
-        <a:font script="Bugi" typeface="Leelawadee UI"/>
-        <a:font script="Bopo" typeface="Microsoft JhengHei"/>
-        <a:font script="Java" typeface="Javanese Text"/>
-        <a:font script="Lisu" typeface="Segoe UI"/>
-        <a:font script="Mymr" typeface="Myanmar Text"/>
-        <a:font script="Nkoo" typeface="Ebrima"/>
-        <a:font script="Olck" typeface="Nirmala UI"/>
-        <a:font script="Osma" typeface="Ebrima"/>
-        <a:font script="Phag" typeface="Phagspa"/>
-        <a:font script="Syrn" typeface="Estrangelo Edessa"/>
-        <a:font script="Syrj" typeface="Estrangelo Edessa"/>
-        <a:font script="Syre" typeface="Estrangelo Edessa"/>
-        <a:font script="Sora" typeface="Nirmala UI"/>
-        <a:font script="Tale" typeface="Microsoft Tai Le"/>
-        <a:font script="Talu" typeface="Microsoft New Tai Lue"/>
-        <a:font script="Tfng" typeface="Ebrima"/>
       </a:minorFont>
     </a:fontScheme>
-    <a:fmtScheme name="Office">
+    <a:fmtScheme name="Office 主题​​">
       <a:fillStyleLst>
         <a:solidFill>
           <a:schemeClr val="phClr"/>
